--- a/img/可编辑图片.pptx
+++ b/img/可编辑图片.pptx
@@ -7,6 +7,8 @@
   <p:sldIdLst>
     <p:sldId id="256" r:id="rId2"/>
     <p:sldId id="257" r:id="rId3"/>
+    <p:sldId id="258" r:id="rId4"/>
+    <p:sldId id="259" r:id="rId5"/>
   </p:sldIdLst>
   <p:sldSz cx="9144000" cy="6858000" type="screen4x3"/>
   <p:notesSz cx="6858000" cy="9144000"/>
@@ -289,7 +291,7 @@
           <a:p>
             <a:fld id="{530820CF-B880-4189-942D-D702A7CBA730}" type="datetimeFigureOut">
               <a:rPr lang="zh-CN" altLang="en-US" smtClean="0"/>
-              <a:t>2019/5/8</a:t>
+              <a:t>2019/5/10</a:t>
             </a:fld>
             <a:endParaRPr lang="zh-CN" altLang="en-US"/>
           </a:p>
@@ -454,7 +456,7 @@
           <a:p>
             <a:fld id="{530820CF-B880-4189-942D-D702A7CBA730}" type="datetimeFigureOut">
               <a:rPr lang="zh-CN" altLang="en-US" smtClean="0"/>
-              <a:t>2019/5/8</a:t>
+              <a:t>2019/5/10</a:t>
             </a:fld>
             <a:endParaRPr lang="zh-CN" altLang="en-US"/>
           </a:p>
@@ -629,7 +631,7 @@
           <a:p>
             <a:fld id="{530820CF-B880-4189-942D-D702A7CBA730}" type="datetimeFigureOut">
               <a:rPr lang="zh-CN" altLang="en-US" smtClean="0"/>
-              <a:t>2019/5/8</a:t>
+              <a:t>2019/5/10</a:t>
             </a:fld>
             <a:endParaRPr lang="zh-CN" altLang="en-US"/>
           </a:p>
@@ -794,7 +796,7 @@
           <a:p>
             <a:fld id="{530820CF-B880-4189-942D-D702A7CBA730}" type="datetimeFigureOut">
               <a:rPr lang="zh-CN" altLang="en-US" smtClean="0"/>
-              <a:t>2019/5/8</a:t>
+              <a:t>2019/5/10</a:t>
             </a:fld>
             <a:endParaRPr lang="zh-CN" altLang="en-US"/>
           </a:p>
@@ -1035,7 +1037,7 @@
           <a:p>
             <a:fld id="{530820CF-B880-4189-942D-D702A7CBA730}" type="datetimeFigureOut">
               <a:rPr lang="zh-CN" altLang="en-US" smtClean="0"/>
-              <a:t>2019/5/8</a:t>
+              <a:t>2019/5/10</a:t>
             </a:fld>
             <a:endParaRPr lang="zh-CN" altLang="en-US"/>
           </a:p>
@@ -1318,7 +1320,7 @@
           <a:p>
             <a:fld id="{530820CF-B880-4189-942D-D702A7CBA730}" type="datetimeFigureOut">
               <a:rPr lang="zh-CN" altLang="en-US" smtClean="0"/>
-              <a:t>2019/5/8</a:t>
+              <a:t>2019/5/10</a:t>
             </a:fld>
             <a:endParaRPr lang="zh-CN" altLang="en-US"/>
           </a:p>
@@ -1735,7 +1737,7 @@
           <a:p>
             <a:fld id="{530820CF-B880-4189-942D-D702A7CBA730}" type="datetimeFigureOut">
               <a:rPr lang="zh-CN" altLang="en-US" smtClean="0"/>
-              <a:t>2019/5/8</a:t>
+              <a:t>2019/5/10</a:t>
             </a:fld>
             <a:endParaRPr lang="zh-CN" altLang="en-US"/>
           </a:p>
@@ -1848,7 +1850,7 @@
           <a:p>
             <a:fld id="{530820CF-B880-4189-942D-D702A7CBA730}" type="datetimeFigureOut">
               <a:rPr lang="zh-CN" altLang="en-US" smtClean="0"/>
-              <a:t>2019/5/8</a:t>
+              <a:t>2019/5/10</a:t>
             </a:fld>
             <a:endParaRPr lang="zh-CN" altLang="en-US"/>
           </a:p>
@@ -1938,7 +1940,7 @@
           <a:p>
             <a:fld id="{530820CF-B880-4189-942D-D702A7CBA730}" type="datetimeFigureOut">
               <a:rPr lang="zh-CN" altLang="en-US" smtClean="0"/>
-              <a:t>2019/5/8</a:t>
+              <a:t>2019/5/10</a:t>
             </a:fld>
             <a:endParaRPr lang="zh-CN" altLang="en-US"/>
           </a:p>
@@ -2210,7 +2212,7 @@
           <a:p>
             <a:fld id="{530820CF-B880-4189-942D-D702A7CBA730}" type="datetimeFigureOut">
               <a:rPr lang="zh-CN" altLang="en-US" smtClean="0"/>
-              <a:t>2019/5/8</a:t>
+              <a:t>2019/5/10</a:t>
             </a:fld>
             <a:endParaRPr lang="zh-CN" altLang="en-US"/>
           </a:p>
@@ -2458,7 +2460,7 @@
           <a:p>
             <a:fld id="{530820CF-B880-4189-942D-D702A7CBA730}" type="datetimeFigureOut">
               <a:rPr lang="zh-CN" altLang="en-US" smtClean="0"/>
-              <a:t>2019/5/8</a:t>
+              <a:t>2019/5/10</a:t>
             </a:fld>
             <a:endParaRPr lang="zh-CN" altLang="en-US"/>
           </a:p>
@@ -2666,7 +2668,7 @@
           <a:p>
             <a:fld id="{530820CF-B880-4189-942D-D702A7CBA730}" type="datetimeFigureOut">
               <a:rPr lang="zh-CN" altLang="en-US" smtClean="0"/>
-              <a:t>2019/5/8</a:t>
+              <a:t>2019/5/10</a:t>
             </a:fld>
             <a:endParaRPr lang="zh-CN" altLang="en-US"/>
           </a:p>
@@ -4456,6 +4458,1285 @@
 </p:sld>
 </file>
 
+<file path=ppt/slides/slide3.xml><?xml version="1.0" encoding="utf-8"?>
+<p:sld xmlns:a="http://schemas.openxmlformats.org/drawingml/2006/main" xmlns:r="http://schemas.openxmlformats.org/officeDocument/2006/relationships" xmlns:p="http://schemas.openxmlformats.org/presentationml/2006/main">
+  <p:cSld>
+    <p:spTree>
+      <p:nvGrpSpPr>
+        <p:cNvPr id="1" name=""/>
+        <p:cNvGrpSpPr/>
+        <p:nvPr/>
+      </p:nvGrpSpPr>
+      <p:grpSpPr>
+        <a:xfrm>
+          <a:off x="0" y="0"/>
+          <a:ext cx="0" cy="0"/>
+          <a:chOff x="0" y="0"/>
+          <a:chExt cx="0" cy="0"/>
+        </a:xfrm>
+      </p:grpSpPr>
+      <p:grpSp>
+        <p:nvGrpSpPr>
+          <p:cNvPr id="25" name="组合 24"/>
+          <p:cNvGrpSpPr/>
+          <p:nvPr/>
+        </p:nvGrpSpPr>
+        <p:grpSpPr>
+          <a:xfrm>
+            <a:off x="2390347" y="1389513"/>
+            <a:ext cx="4401503" cy="4104456"/>
+            <a:chOff x="1970697" y="692696"/>
+            <a:chExt cx="4401503" cy="4104456"/>
+          </a:xfrm>
+        </p:grpSpPr>
+        <p:grpSp>
+          <p:nvGrpSpPr>
+            <p:cNvPr id="16" name="组合 15"/>
+            <p:cNvGrpSpPr/>
+            <p:nvPr/>
+          </p:nvGrpSpPr>
+          <p:grpSpPr>
+            <a:xfrm>
+              <a:off x="1970697" y="692696"/>
+              <a:ext cx="4401503" cy="4104456"/>
+              <a:chOff x="1970697" y="692696"/>
+              <a:chExt cx="4401503" cy="4824536"/>
+            </a:xfrm>
+          </p:grpSpPr>
+          <p:grpSp>
+            <p:nvGrpSpPr>
+              <p:cNvPr id="9" name="组合 8"/>
+              <p:cNvGrpSpPr/>
+              <p:nvPr/>
+            </p:nvGrpSpPr>
+            <p:grpSpPr>
+              <a:xfrm>
+                <a:off x="1970697" y="692696"/>
+                <a:ext cx="4401503" cy="4824536"/>
+                <a:chOff x="1970697" y="692696"/>
+                <a:chExt cx="7645849" cy="4824536"/>
+              </a:xfrm>
+            </p:grpSpPr>
+            <p:sp>
+              <p:nvSpPr>
+                <p:cNvPr id="4" name="矩形 3"/>
+                <p:cNvSpPr/>
+                <p:nvPr/>
+              </p:nvSpPr>
+              <p:spPr>
+                <a:xfrm>
+                  <a:off x="1970697" y="692696"/>
+                  <a:ext cx="7645849" cy="4824536"/>
+                </a:xfrm>
+                <a:prstGeom prst="rect">
+                  <a:avLst/>
+                </a:prstGeom>
+              </p:spPr>
+              <p:style>
+                <a:lnRef idx="2">
+                  <a:schemeClr val="dk1"/>
+                </a:lnRef>
+                <a:fillRef idx="1">
+                  <a:schemeClr val="lt1"/>
+                </a:fillRef>
+                <a:effectRef idx="0">
+                  <a:schemeClr val="dk1"/>
+                </a:effectRef>
+                <a:fontRef idx="minor">
+                  <a:schemeClr val="dk1"/>
+                </a:fontRef>
+              </p:style>
+              <p:txBody>
+                <a:bodyPr rtlCol="0" anchor="ctr"/>
+                <a:lstStyle/>
+                <a:p>
+                  <a:pPr algn="ctr"/>
+                  <a:r>
+                    <a:rPr lang="en-US" altLang="zh-CN" dirty="0" smtClean="0"/>
+                    <a:t> </a:t>
+                  </a:r>
+                  <a:endParaRPr lang="zh-CN" altLang="en-US" dirty="0"/>
+                </a:p>
+              </p:txBody>
+            </p:sp>
+            <p:sp>
+              <p:nvSpPr>
+                <p:cNvPr id="8" name="矩形 7"/>
+                <p:cNvSpPr/>
+                <p:nvPr/>
+              </p:nvSpPr>
+              <p:spPr>
+                <a:xfrm>
+                  <a:off x="1970697" y="692696"/>
+                  <a:ext cx="7645849" cy="720080"/>
+                </a:xfrm>
+                <a:prstGeom prst="rect">
+                  <a:avLst/>
+                </a:prstGeom>
+              </p:spPr>
+              <p:style>
+                <a:lnRef idx="2">
+                  <a:schemeClr val="dk1"/>
+                </a:lnRef>
+                <a:fillRef idx="1">
+                  <a:schemeClr val="lt1"/>
+                </a:fillRef>
+                <a:effectRef idx="0">
+                  <a:schemeClr val="dk1"/>
+                </a:effectRef>
+                <a:fontRef idx="minor">
+                  <a:schemeClr val="dk1"/>
+                </a:fontRef>
+              </p:style>
+              <p:txBody>
+                <a:bodyPr rtlCol="0" anchor="ctr"/>
+                <a:lstStyle/>
+                <a:p>
+                  <a:pPr algn="ctr"/>
+                  <a:r>
+                    <a:rPr lang="en-US" altLang="zh-CN" dirty="0" err="1" smtClean="0"/>
+                    <a:t>UserInfo</a:t>
+                  </a:r>
+                  <a:r>
+                    <a:rPr lang="en-US" altLang="zh-CN" dirty="0" smtClean="0"/>
+                    <a:t> </a:t>
+                  </a:r>
+                  <a:r>
+                    <a:rPr lang="en-US" altLang="zh-CN" dirty="0" smtClean="0">
+                      <a:solidFill>
+                        <a:srgbClr val="FF0000"/>
+                      </a:solidFill>
+                    </a:rPr>
+                    <a:t>(</a:t>
+                  </a:r>
+                  <a:r>
+                    <a:rPr lang="zh-CN" altLang="en-US" dirty="0" smtClean="0">
+                      <a:solidFill>
+                        <a:srgbClr val="FF0000"/>
+                      </a:solidFill>
+                    </a:rPr>
+                    <a:t>反例</a:t>
+                  </a:r>
+                  <a:r>
+                    <a:rPr lang="en-US" altLang="zh-CN" dirty="0" smtClean="0">
+                      <a:solidFill>
+                        <a:srgbClr val="FF0000"/>
+                      </a:solidFill>
+                    </a:rPr>
+                    <a:t>)</a:t>
+                  </a:r>
+                  <a:endParaRPr lang="zh-CN" altLang="en-US" dirty="0">
+                    <a:solidFill>
+                      <a:srgbClr val="FF0000"/>
+                    </a:solidFill>
+                  </a:endParaRPr>
+                </a:p>
+              </p:txBody>
+            </p:sp>
+          </p:grpSp>
+          <p:sp>
+            <p:nvSpPr>
+              <p:cNvPr id="11" name="矩形 10"/>
+              <p:cNvSpPr/>
+              <p:nvPr/>
+            </p:nvSpPr>
+            <p:spPr>
+              <a:xfrm>
+                <a:off x="1970697" y="1412776"/>
+                <a:ext cx="4401503" cy="1819150"/>
+              </a:xfrm>
+              <a:prstGeom prst="rect">
+                <a:avLst/>
+              </a:prstGeom>
+            </p:spPr>
+            <p:style>
+              <a:lnRef idx="2">
+                <a:schemeClr val="dk1"/>
+              </a:lnRef>
+              <a:fillRef idx="1">
+                <a:schemeClr val="lt1"/>
+              </a:fillRef>
+              <a:effectRef idx="0">
+                <a:schemeClr val="dk1"/>
+              </a:effectRef>
+              <a:fontRef idx="minor">
+                <a:schemeClr val="dk1"/>
+              </a:fontRef>
+            </p:style>
+            <p:txBody>
+              <a:bodyPr rtlCol="0" anchor="ctr"/>
+              <a:lstStyle/>
+              <a:p>
+                <a:pPr algn="ctr"/>
+                <a:endParaRPr lang="zh-CN" altLang="en-US"/>
+              </a:p>
+            </p:txBody>
+          </p:sp>
+        </p:grpSp>
+        <p:grpSp>
+          <p:nvGrpSpPr>
+            <p:cNvPr id="15" name="组合 14"/>
+            <p:cNvGrpSpPr/>
+            <p:nvPr/>
+          </p:nvGrpSpPr>
+          <p:grpSpPr>
+            <a:xfrm>
+              <a:off x="2100334" y="1536577"/>
+              <a:ext cx="2016224" cy="1188309"/>
+              <a:chOff x="2123728" y="1628800"/>
+              <a:chExt cx="2016224" cy="1188309"/>
+            </a:xfrm>
+          </p:grpSpPr>
+          <p:sp>
+            <p:nvSpPr>
+              <p:cNvPr id="12" name="TextBox 11"/>
+              <p:cNvSpPr txBox="1"/>
+              <p:nvPr/>
+            </p:nvSpPr>
+            <p:spPr>
+              <a:xfrm>
+                <a:off x="2123728" y="1628800"/>
+                <a:ext cx="2016224" cy="369332"/>
+              </a:xfrm>
+              <a:prstGeom prst="rect">
+                <a:avLst/>
+              </a:prstGeom>
+              <a:noFill/>
+            </p:spPr>
+            <p:txBody>
+              <a:bodyPr wrap="square" rtlCol="0">
+                <a:spAutoFit/>
+              </a:bodyPr>
+              <a:lstStyle/>
+              <a:p>
+                <a:r>
+                  <a:rPr lang="en-US" altLang="zh-CN" dirty="0" smtClean="0"/>
+                  <a:t>- String </a:t>
+                </a:r>
+                <a:r>
+                  <a:rPr lang="en-US" altLang="zh-CN" dirty="0" err="1" smtClean="0"/>
+                  <a:t>userName</a:t>
+                </a:r>
+                <a:endParaRPr lang="zh-CN" altLang="en-US" dirty="0"/>
+              </a:p>
+            </p:txBody>
+          </p:sp>
+          <p:sp>
+            <p:nvSpPr>
+              <p:cNvPr id="13" name="TextBox 12"/>
+              <p:cNvSpPr txBox="1"/>
+              <p:nvPr/>
+            </p:nvSpPr>
+            <p:spPr>
+              <a:xfrm>
+                <a:off x="2123728" y="2038288"/>
+                <a:ext cx="2016224" cy="369332"/>
+              </a:xfrm>
+              <a:prstGeom prst="rect">
+                <a:avLst/>
+              </a:prstGeom>
+              <a:noFill/>
+            </p:spPr>
+            <p:txBody>
+              <a:bodyPr wrap="square" rtlCol="0">
+                <a:spAutoFit/>
+              </a:bodyPr>
+              <a:lstStyle/>
+              <a:p>
+                <a:r>
+                  <a:rPr lang="en-US" altLang="zh-CN" dirty="0" smtClean="0"/>
+                  <a:t>- String password</a:t>
+                </a:r>
+                <a:endParaRPr lang="zh-CN" altLang="en-US" dirty="0"/>
+              </a:p>
+            </p:txBody>
+          </p:sp>
+          <p:sp>
+            <p:nvSpPr>
+              <p:cNvPr id="14" name="TextBox 13"/>
+              <p:cNvSpPr txBox="1"/>
+              <p:nvPr/>
+            </p:nvSpPr>
+            <p:spPr>
+              <a:xfrm>
+                <a:off x="2123728" y="2447777"/>
+                <a:ext cx="2016224" cy="369332"/>
+              </a:xfrm>
+              <a:prstGeom prst="rect">
+                <a:avLst/>
+              </a:prstGeom>
+              <a:noFill/>
+            </p:spPr>
+            <p:txBody>
+              <a:bodyPr wrap="square" rtlCol="0">
+                <a:spAutoFit/>
+              </a:bodyPr>
+              <a:lstStyle/>
+              <a:p>
+                <a:r>
+                  <a:rPr lang="en-US" altLang="zh-CN" dirty="0" smtClean="0"/>
+                  <a:t>- long </a:t>
+                </a:r>
+                <a:r>
+                  <a:rPr lang="en-US" altLang="zh-CN" dirty="0"/>
+                  <a:t>balance</a:t>
+                </a:r>
+                <a:endParaRPr lang="zh-CN" altLang="en-US" dirty="0"/>
+              </a:p>
+            </p:txBody>
+          </p:sp>
+        </p:grpSp>
+        <p:grpSp>
+          <p:nvGrpSpPr>
+            <p:cNvPr id="24" name="组合 23"/>
+            <p:cNvGrpSpPr/>
+            <p:nvPr/>
+          </p:nvGrpSpPr>
+          <p:grpSpPr>
+            <a:xfrm>
+              <a:off x="2107523" y="3034756"/>
+              <a:ext cx="4127850" cy="1477328"/>
+              <a:chOff x="2100334" y="3212976"/>
+              <a:chExt cx="4127850" cy="1477328"/>
+            </a:xfrm>
+          </p:grpSpPr>
+          <p:sp>
+            <p:nvSpPr>
+              <p:cNvPr id="17" name="TextBox 16"/>
+              <p:cNvSpPr txBox="1"/>
+              <p:nvPr/>
+            </p:nvSpPr>
+            <p:spPr>
+              <a:xfrm>
+                <a:off x="2100334" y="3212976"/>
+                <a:ext cx="4127850" cy="369332"/>
+              </a:xfrm>
+              <a:prstGeom prst="rect">
+                <a:avLst/>
+              </a:prstGeom>
+              <a:noFill/>
+            </p:spPr>
+            <p:txBody>
+              <a:bodyPr wrap="square" rtlCol="0">
+                <a:spAutoFit/>
+              </a:bodyPr>
+              <a:lstStyle/>
+              <a:p>
+                <a:r>
+                  <a:rPr lang="en-US" altLang="zh-CN" dirty="0" smtClean="0"/>
+                  <a:t>+ void </a:t>
+                </a:r>
+                <a:r>
+                  <a:rPr lang="en-US" altLang="zh-CN" dirty="0" err="1" smtClean="0"/>
+                  <a:t>changeName</a:t>
+                </a:r>
+                <a:r>
+                  <a:rPr lang="en-US" altLang="zh-CN" dirty="0" smtClean="0"/>
+                  <a:t>(String name)</a:t>
+                </a:r>
+                <a:endParaRPr lang="zh-CN" altLang="en-US" dirty="0"/>
+              </a:p>
+            </p:txBody>
+          </p:sp>
+          <p:sp>
+            <p:nvSpPr>
+              <p:cNvPr id="19" name="TextBox 18"/>
+              <p:cNvSpPr txBox="1"/>
+              <p:nvPr/>
+            </p:nvSpPr>
+            <p:spPr>
+              <a:xfrm>
+                <a:off x="2100334" y="3582308"/>
+                <a:ext cx="4127850" cy="369332"/>
+              </a:xfrm>
+              <a:prstGeom prst="rect">
+                <a:avLst/>
+              </a:prstGeom>
+              <a:noFill/>
+            </p:spPr>
+            <p:txBody>
+              <a:bodyPr wrap="square" rtlCol="0">
+                <a:spAutoFit/>
+              </a:bodyPr>
+              <a:lstStyle/>
+              <a:p>
+                <a:r>
+                  <a:rPr lang="en-US" altLang="zh-CN" dirty="0" smtClean="0"/>
+                  <a:t>+ void </a:t>
+                </a:r>
+                <a:r>
+                  <a:rPr lang="en-US" altLang="zh-CN" dirty="0" err="1" smtClean="0"/>
+                  <a:t>changePwd</a:t>
+                </a:r>
+                <a:r>
+                  <a:rPr lang="en-US" altLang="zh-CN" dirty="0" smtClean="0"/>
+                  <a:t>(String </a:t>
+                </a:r>
+                <a:r>
+                  <a:rPr lang="en-US" altLang="zh-CN" dirty="0" err="1" smtClean="0"/>
+                  <a:t>pwd</a:t>
+                </a:r>
+                <a:r>
+                  <a:rPr lang="en-US" altLang="zh-CN" dirty="0" smtClean="0"/>
+                  <a:t>)</a:t>
+                </a:r>
+                <a:endParaRPr lang="zh-CN" altLang="en-US" dirty="0"/>
+              </a:p>
+            </p:txBody>
+          </p:sp>
+          <p:sp>
+            <p:nvSpPr>
+              <p:cNvPr id="20" name="TextBox 19"/>
+              <p:cNvSpPr txBox="1"/>
+              <p:nvPr/>
+            </p:nvSpPr>
+            <p:spPr>
+              <a:xfrm>
+                <a:off x="2100334" y="3951640"/>
+                <a:ext cx="4127850" cy="369332"/>
+              </a:xfrm>
+              <a:prstGeom prst="rect">
+                <a:avLst/>
+              </a:prstGeom>
+              <a:noFill/>
+            </p:spPr>
+            <p:txBody>
+              <a:bodyPr wrap="square" rtlCol="0">
+                <a:spAutoFit/>
+              </a:bodyPr>
+              <a:lstStyle/>
+              <a:p>
+                <a:r>
+                  <a:rPr lang="en-US" altLang="zh-CN" dirty="0" smtClean="0"/>
+                  <a:t>+ </a:t>
+                </a:r>
+                <a:r>
+                  <a:rPr lang="en-US" altLang="zh-CN" dirty="0"/>
+                  <a:t>void deposit </a:t>
+                </a:r>
+                <a:r>
+                  <a:rPr lang="en-US" altLang="zh-CN" dirty="0" smtClean="0"/>
+                  <a:t>(</a:t>
+                </a:r>
+                <a:r>
+                  <a:rPr lang="en-US" altLang="zh-CN" dirty="0"/>
+                  <a:t>long money)</a:t>
+                </a:r>
+                <a:endParaRPr lang="zh-CN" altLang="en-US" dirty="0"/>
+              </a:p>
+            </p:txBody>
+          </p:sp>
+          <p:sp>
+            <p:nvSpPr>
+              <p:cNvPr id="22" name="TextBox 21"/>
+              <p:cNvSpPr txBox="1"/>
+              <p:nvPr/>
+            </p:nvSpPr>
+            <p:spPr>
+              <a:xfrm>
+                <a:off x="2100334" y="4320972"/>
+                <a:ext cx="4127850" cy="369332"/>
+              </a:xfrm>
+              <a:prstGeom prst="rect">
+                <a:avLst/>
+              </a:prstGeom>
+              <a:noFill/>
+            </p:spPr>
+            <p:txBody>
+              <a:bodyPr wrap="square" rtlCol="0">
+                <a:spAutoFit/>
+              </a:bodyPr>
+              <a:lstStyle/>
+              <a:p>
+                <a:r>
+                  <a:rPr lang="en-US" altLang="zh-CN" dirty="0" smtClean="0"/>
+                  <a:t>+ </a:t>
+                </a:r>
+                <a:r>
+                  <a:rPr lang="en-US" altLang="zh-CN" dirty="0"/>
+                  <a:t>void </a:t>
+                </a:r>
+                <a:r>
+                  <a:rPr lang="en-US" altLang="zh-CN" dirty="0" smtClean="0"/>
+                  <a:t>payment(long </a:t>
+                </a:r>
+                <a:r>
+                  <a:rPr lang="en-US" altLang="zh-CN" dirty="0"/>
+                  <a:t>money)</a:t>
+                </a:r>
+                <a:endParaRPr lang="zh-CN" altLang="en-US" dirty="0"/>
+              </a:p>
+            </p:txBody>
+          </p:sp>
+        </p:grpSp>
+      </p:grpSp>
+      <p:sp>
+        <p:nvSpPr>
+          <p:cNvPr id="26" name="TextBox 25"/>
+          <p:cNvSpPr txBox="1"/>
+          <p:nvPr/>
+        </p:nvSpPr>
+        <p:spPr>
+          <a:xfrm>
+            <a:off x="467544" y="476672"/>
+            <a:ext cx="7560840" cy="369332"/>
+          </a:xfrm>
+          <a:prstGeom prst="rect">
+            <a:avLst/>
+          </a:prstGeom>
+          <a:noFill/>
+        </p:spPr>
+        <p:txBody>
+          <a:bodyPr wrap="square" rtlCol="0">
+            <a:spAutoFit/>
+          </a:bodyPr>
+          <a:lstStyle/>
+          <a:p>
+            <a:r>
+              <a:rPr lang="zh-CN" altLang="en-US" dirty="0" smtClean="0"/>
+              <a:t>设计原则：单一职责原则</a:t>
+            </a:r>
+            <a:endParaRPr lang="zh-CN" altLang="en-US" dirty="0"/>
+          </a:p>
+        </p:txBody>
+      </p:sp>
+      <p:sp>
+        <p:nvSpPr>
+          <p:cNvPr id="27" name="TextBox 26"/>
+          <p:cNvSpPr txBox="1"/>
+          <p:nvPr/>
+        </p:nvSpPr>
+        <p:spPr>
+          <a:xfrm>
+            <a:off x="3669916" y="5666583"/>
+            <a:ext cx="1895262" cy="369332"/>
+          </a:xfrm>
+          <a:prstGeom prst="rect">
+            <a:avLst/>
+          </a:prstGeom>
+          <a:noFill/>
+        </p:spPr>
+        <p:txBody>
+          <a:bodyPr wrap="none" rtlCol="0">
+            <a:spAutoFit/>
+          </a:bodyPr>
+          <a:lstStyle/>
+          <a:p>
+            <a:r>
+              <a:rPr lang="en-US" altLang="zh-CN" dirty="0" smtClean="0"/>
+              <a:t>2.1 </a:t>
+            </a:r>
+            <a:r>
+              <a:rPr lang="en-US" altLang="zh-CN" dirty="0" err="1" smtClean="0"/>
+              <a:t>UserInfo</a:t>
+            </a:r>
+            <a:r>
+              <a:rPr lang="en-US" altLang="zh-CN" dirty="0" smtClean="0"/>
+              <a:t>  </a:t>
+            </a:r>
+            <a:r>
+              <a:rPr lang="zh-CN" altLang="en-US" dirty="0" smtClean="0"/>
+              <a:t>类图</a:t>
+            </a:r>
+            <a:endParaRPr lang="zh-CN" altLang="en-US" dirty="0"/>
+          </a:p>
+        </p:txBody>
+      </p:sp>
+    </p:spTree>
+    <p:extLst>
+      <p:ext uri="{BB962C8B-B14F-4D97-AF65-F5344CB8AC3E}">
+        <p14:creationId xmlns:p14="http://schemas.microsoft.com/office/powerpoint/2010/main" val="2706528542"/>
+      </p:ext>
+    </p:extLst>
+  </p:cSld>
+  <p:clrMapOvr>
+    <a:masterClrMapping/>
+  </p:clrMapOvr>
+  <p:timing>
+    <p:tnLst>
+      <p:par>
+        <p:cTn id="1" dur="indefinite" restart="never" nodeType="tmRoot"/>
+      </p:par>
+    </p:tnLst>
+  </p:timing>
+</p:sld>
+</file>
+
+<file path=ppt/slides/slide4.xml><?xml version="1.0" encoding="utf-8"?>
+<p:sld xmlns:a="http://schemas.openxmlformats.org/drawingml/2006/main" xmlns:r="http://schemas.openxmlformats.org/officeDocument/2006/relationships" xmlns:p="http://schemas.openxmlformats.org/presentationml/2006/main">
+  <p:cSld>
+    <p:spTree>
+      <p:nvGrpSpPr>
+        <p:cNvPr id="1" name=""/>
+        <p:cNvGrpSpPr/>
+        <p:nvPr/>
+      </p:nvGrpSpPr>
+      <p:grpSpPr>
+        <a:xfrm>
+          <a:off x="0" y="0"/>
+          <a:ext cx="0" cy="0"/>
+          <a:chOff x="0" y="0"/>
+          <a:chExt cx="0" cy="0"/>
+        </a:xfrm>
+      </p:grpSpPr>
+      <p:grpSp>
+        <p:nvGrpSpPr>
+          <p:cNvPr id="25" name="组合 24"/>
+          <p:cNvGrpSpPr/>
+          <p:nvPr/>
+        </p:nvGrpSpPr>
+        <p:grpSpPr>
+          <a:xfrm>
+            <a:off x="2485772" y="1102157"/>
+            <a:ext cx="4320479" cy="1738011"/>
+            <a:chOff x="1970697" y="692696"/>
+            <a:chExt cx="4401503" cy="2160240"/>
+          </a:xfrm>
+        </p:grpSpPr>
+        <p:grpSp>
+          <p:nvGrpSpPr>
+            <p:cNvPr id="16" name="组合 15"/>
+            <p:cNvGrpSpPr/>
+            <p:nvPr/>
+          </p:nvGrpSpPr>
+          <p:grpSpPr>
+            <a:xfrm>
+              <a:off x="1970697" y="692696"/>
+              <a:ext cx="4401503" cy="2160240"/>
+              <a:chOff x="1970697" y="692696"/>
+              <a:chExt cx="4401503" cy="2539230"/>
+            </a:xfrm>
+          </p:grpSpPr>
+          <p:sp>
+            <p:nvSpPr>
+              <p:cNvPr id="8" name="矩形 7"/>
+              <p:cNvSpPr/>
+              <p:nvPr/>
+            </p:nvSpPr>
+            <p:spPr>
+              <a:xfrm>
+                <a:off x="1970697" y="692696"/>
+                <a:ext cx="4401503" cy="720080"/>
+              </a:xfrm>
+              <a:prstGeom prst="rect">
+                <a:avLst/>
+              </a:prstGeom>
+            </p:spPr>
+            <p:style>
+              <a:lnRef idx="2">
+                <a:schemeClr val="dk1"/>
+              </a:lnRef>
+              <a:fillRef idx="1">
+                <a:schemeClr val="lt1"/>
+              </a:fillRef>
+              <a:effectRef idx="0">
+                <a:schemeClr val="dk1"/>
+              </a:effectRef>
+              <a:fontRef idx="minor">
+                <a:schemeClr val="dk1"/>
+              </a:fontRef>
+            </p:style>
+            <p:txBody>
+              <a:bodyPr rtlCol="0" anchor="ctr"/>
+              <a:lstStyle/>
+              <a:p>
+                <a:pPr algn="ctr"/>
+                <a:r>
+                  <a:rPr lang="en-US" altLang="zh-CN" dirty="0" err="1" smtClean="0"/>
+                  <a:t>UserInfoBO</a:t>
+                </a:r>
+                <a:endParaRPr lang="zh-CN" altLang="en-US" dirty="0">
+                  <a:solidFill>
+                    <a:srgbClr val="FF0000"/>
+                  </a:solidFill>
+                </a:endParaRPr>
+              </a:p>
+            </p:txBody>
+          </p:sp>
+          <p:sp>
+            <p:nvSpPr>
+              <p:cNvPr id="11" name="矩形 10"/>
+              <p:cNvSpPr/>
+              <p:nvPr/>
+            </p:nvSpPr>
+            <p:spPr>
+              <a:xfrm>
+                <a:off x="1970697" y="1412776"/>
+                <a:ext cx="4401503" cy="1819150"/>
+              </a:xfrm>
+              <a:prstGeom prst="rect">
+                <a:avLst/>
+              </a:prstGeom>
+            </p:spPr>
+            <p:style>
+              <a:lnRef idx="2">
+                <a:schemeClr val="dk1"/>
+              </a:lnRef>
+              <a:fillRef idx="1">
+                <a:schemeClr val="lt1"/>
+              </a:fillRef>
+              <a:effectRef idx="0">
+                <a:schemeClr val="dk1"/>
+              </a:effectRef>
+              <a:fontRef idx="minor">
+                <a:schemeClr val="dk1"/>
+              </a:fontRef>
+            </p:style>
+            <p:txBody>
+              <a:bodyPr rtlCol="0" anchor="ctr"/>
+              <a:lstStyle/>
+              <a:p>
+                <a:pPr algn="ctr"/>
+                <a:endParaRPr lang="zh-CN" altLang="en-US"/>
+              </a:p>
+            </p:txBody>
+          </p:sp>
+        </p:grpSp>
+        <p:grpSp>
+          <p:nvGrpSpPr>
+            <p:cNvPr id="15" name="组合 14"/>
+            <p:cNvGrpSpPr/>
+            <p:nvPr/>
+          </p:nvGrpSpPr>
+          <p:grpSpPr>
+            <a:xfrm>
+              <a:off x="2100334" y="1536577"/>
+              <a:ext cx="2016224" cy="1188309"/>
+              <a:chOff x="2123728" y="1628800"/>
+              <a:chExt cx="2016224" cy="1188309"/>
+            </a:xfrm>
+          </p:grpSpPr>
+          <p:sp>
+            <p:nvSpPr>
+              <p:cNvPr id="12" name="TextBox 11"/>
+              <p:cNvSpPr txBox="1"/>
+              <p:nvPr/>
+            </p:nvSpPr>
+            <p:spPr>
+              <a:xfrm>
+                <a:off x="2123728" y="1628800"/>
+                <a:ext cx="2016224" cy="369332"/>
+              </a:xfrm>
+              <a:prstGeom prst="rect">
+                <a:avLst/>
+              </a:prstGeom>
+              <a:noFill/>
+            </p:spPr>
+            <p:txBody>
+              <a:bodyPr wrap="square" rtlCol="0">
+                <a:spAutoFit/>
+              </a:bodyPr>
+              <a:lstStyle/>
+              <a:p>
+                <a:r>
+                  <a:rPr lang="en-US" altLang="zh-CN" dirty="0" smtClean="0"/>
+                  <a:t>- String </a:t>
+                </a:r>
+                <a:r>
+                  <a:rPr lang="en-US" altLang="zh-CN" dirty="0" err="1" smtClean="0"/>
+                  <a:t>userName</a:t>
+                </a:r>
+                <a:endParaRPr lang="zh-CN" altLang="en-US" dirty="0"/>
+              </a:p>
+            </p:txBody>
+          </p:sp>
+          <p:sp>
+            <p:nvSpPr>
+              <p:cNvPr id="13" name="TextBox 12"/>
+              <p:cNvSpPr txBox="1"/>
+              <p:nvPr/>
+            </p:nvSpPr>
+            <p:spPr>
+              <a:xfrm>
+                <a:off x="2123728" y="2038288"/>
+                <a:ext cx="2016224" cy="369332"/>
+              </a:xfrm>
+              <a:prstGeom prst="rect">
+                <a:avLst/>
+              </a:prstGeom>
+              <a:noFill/>
+            </p:spPr>
+            <p:txBody>
+              <a:bodyPr wrap="square" rtlCol="0">
+                <a:spAutoFit/>
+              </a:bodyPr>
+              <a:lstStyle/>
+              <a:p>
+                <a:r>
+                  <a:rPr lang="en-US" altLang="zh-CN" dirty="0" smtClean="0"/>
+                  <a:t>- String password</a:t>
+                </a:r>
+                <a:endParaRPr lang="zh-CN" altLang="en-US" dirty="0"/>
+              </a:p>
+            </p:txBody>
+          </p:sp>
+          <p:sp>
+            <p:nvSpPr>
+              <p:cNvPr id="14" name="TextBox 13"/>
+              <p:cNvSpPr txBox="1"/>
+              <p:nvPr/>
+            </p:nvSpPr>
+            <p:spPr>
+              <a:xfrm>
+                <a:off x="2123728" y="2447777"/>
+                <a:ext cx="2016224" cy="369332"/>
+              </a:xfrm>
+              <a:prstGeom prst="rect">
+                <a:avLst/>
+              </a:prstGeom>
+              <a:noFill/>
+            </p:spPr>
+            <p:txBody>
+              <a:bodyPr wrap="square" rtlCol="0">
+                <a:spAutoFit/>
+              </a:bodyPr>
+              <a:lstStyle/>
+              <a:p>
+                <a:r>
+                  <a:rPr lang="en-US" altLang="zh-CN" dirty="0" smtClean="0"/>
+                  <a:t>- long </a:t>
+                </a:r>
+                <a:r>
+                  <a:rPr lang="en-US" altLang="zh-CN" dirty="0"/>
+                  <a:t>balance</a:t>
+                </a:r>
+                <a:endParaRPr lang="zh-CN" altLang="en-US" dirty="0"/>
+              </a:p>
+            </p:txBody>
+          </p:sp>
+        </p:grpSp>
+      </p:grpSp>
+      <p:sp>
+        <p:nvSpPr>
+          <p:cNvPr id="26" name="TextBox 25"/>
+          <p:cNvSpPr txBox="1"/>
+          <p:nvPr/>
+        </p:nvSpPr>
+        <p:spPr>
+          <a:xfrm>
+            <a:off x="467544" y="476672"/>
+            <a:ext cx="7560840" cy="369332"/>
+          </a:xfrm>
+          <a:prstGeom prst="rect">
+            <a:avLst/>
+          </a:prstGeom>
+          <a:noFill/>
+        </p:spPr>
+        <p:txBody>
+          <a:bodyPr wrap="square" rtlCol="0">
+            <a:spAutoFit/>
+          </a:bodyPr>
+          <a:lstStyle/>
+          <a:p>
+            <a:r>
+              <a:rPr lang="zh-CN" altLang="en-US" dirty="0" smtClean="0"/>
+              <a:t>设计原则：单一职责原则</a:t>
+            </a:r>
+            <a:endParaRPr lang="zh-CN" altLang="en-US" dirty="0"/>
+          </a:p>
+        </p:txBody>
+      </p:sp>
+      <p:sp>
+        <p:nvSpPr>
+          <p:cNvPr id="27" name="TextBox 26"/>
+          <p:cNvSpPr txBox="1"/>
+          <p:nvPr/>
+        </p:nvSpPr>
+        <p:spPr>
+          <a:xfrm>
+            <a:off x="3698381" y="6035915"/>
+            <a:ext cx="1895262" cy="369332"/>
+          </a:xfrm>
+          <a:prstGeom prst="rect">
+            <a:avLst/>
+          </a:prstGeom>
+          <a:noFill/>
+        </p:spPr>
+        <p:txBody>
+          <a:bodyPr wrap="none" rtlCol="0">
+            <a:spAutoFit/>
+          </a:bodyPr>
+          <a:lstStyle/>
+          <a:p>
+            <a:r>
+              <a:rPr lang="en-US" altLang="zh-CN" dirty="0" smtClean="0"/>
+              <a:t>2.2 </a:t>
+            </a:r>
+            <a:r>
+              <a:rPr lang="en-US" altLang="zh-CN" dirty="0" err="1" smtClean="0"/>
+              <a:t>UserInfo</a:t>
+            </a:r>
+            <a:r>
+              <a:rPr lang="en-US" altLang="zh-CN" dirty="0" smtClean="0"/>
+              <a:t>  </a:t>
+            </a:r>
+            <a:r>
+              <a:rPr lang="zh-CN" altLang="en-US" dirty="0" smtClean="0"/>
+              <a:t>类图</a:t>
+            </a:r>
+            <a:endParaRPr lang="zh-CN" altLang="en-US" dirty="0"/>
+          </a:p>
+        </p:txBody>
+      </p:sp>
+      <p:grpSp>
+        <p:nvGrpSpPr>
+          <p:cNvPr id="23" name="组合 22"/>
+          <p:cNvGrpSpPr/>
+          <p:nvPr/>
+        </p:nvGrpSpPr>
+        <p:grpSpPr>
+          <a:xfrm>
+            <a:off x="2485772" y="3284985"/>
+            <a:ext cx="4320479" cy="2520279"/>
+            <a:chOff x="1970697" y="391078"/>
+            <a:chExt cx="4401503" cy="2454871"/>
+          </a:xfrm>
+        </p:grpSpPr>
+        <p:grpSp>
+          <p:nvGrpSpPr>
+            <p:cNvPr id="38" name="组合 37"/>
+            <p:cNvGrpSpPr/>
+            <p:nvPr/>
+          </p:nvGrpSpPr>
+          <p:grpSpPr>
+            <a:xfrm>
+              <a:off x="1970697" y="391078"/>
+              <a:ext cx="4401503" cy="2454871"/>
+              <a:chOff x="1970697" y="338162"/>
+              <a:chExt cx="7645849" cy="2885551"/>
+            </a:xfrm>
+          </p:grpSpPr>
+          <p:sp>
+            <p:nvSpPr>
+              <p:cNvPr id="40" name="矩形 39"/>
+              <p:cNvSpPr/>
+              <p:nvPr/>
+            </p:nvSpPr>
+            <p:spPr>
+              <a:xfrm>
+                <a:off x="1970697" y="692696"/>
+                <a:ext cx="7645849" cy="2531017"/>
+              </a:xfrm>
+              <a:prstGeom prst="rect">
+                <a:avLst/>
+              </a:prstGeom>
+            </p:spPr>
+            <p:style>
+              <a:lnRef idx="2">
+                <a:schemeClr val="dk1"/>
+              </a:lnRef>
+              <a:fillRef idx="1">
+                <a:schemeClr val="lt1"/>
+              </a:fillRef>
+              <a:effectRef idx="0">
+                <a:schemeClr val="dk1"/>
+              </a:effectRef>
+              <a:fontRef idx="minor">
+                <a:schemeClr val="dk1"/>
+              </a:fontRef>
+            </p:style>
+            <p:txBody>
+              <a:bodyPr rtlCol="0" anchor="ctr"/>
+              <a:lstStyle/>
+              <a:p>
+                <a:pPr algn="ctr"/>
+                <a:r>
+                  <a:rPr lang="en-US" altLang="zh-CN" dirty="0" smtClean="0"/>
+                  <a:t> </a:t>
+                </a:r>
+                <a:endParaRPr lang="zh-CN" altLang="en-US" dirty="0"/>
+              </a:p>
+            </p:txBody>
+          </p:sp>
+          <p:sp>
+            <p:nvSpPr>
+              <p:cNvPr id="41" name="矩形 40"/>
+              <p:cNvSpPr/>
+              <p:nvPr/>
+            </p:nvSpPr>
+            <p:spPr>
+              <a:xfrm>
+                <a:off x="1970697" y="338162"/>
+                <a:ext cx="7645849" cy="659554"/>
+              </a:xfrm>
+              <a:prstGeom prst="rect">
+                <a:avLst/>
+              </a:prstGeom>
+            </p:spPr>
+            <p:style>
+              <a:lnRef idx="2">
+                <a:schemeClr val="dk1"/>
+              </a:lnRef>
+              <a:fillRef idx="1">
+                <a:schemeClr val="lt1"/>
+              </a:fillRef>
+              <a:effectRef idx="0">
+                <a:schemeClr val="dk1"/>
+              </a:effectRef>
+              <a:fontRef idx="minor">
+                <a:schemeClr val="dk1"/>
+              </a:fontRef>
+            </p:style>
+            <p:txBody>
+              <a:bodyPr rtlCol="0" anchor="ctr"/>
+              <a:lstStyle/>
+              <a:p>
+                <a:pPr algn="ctr"/>
+                <a:r>
+                  <a:rPr lang="en-US" altLang="zh-CN" dirty="0" err="1" smtClean="0"/>
+                  <a:t>UserInfoBiz</a:t>
+                </a:r>
+                <a:endParaRPr lang="zh-CN" altLang="en-US" dirty="0">
+                  <a:solidFill>
+                    <a:srgbClr val="FF0000"/>
+                  </a:solidFill>
+                </a:endParaRPr>
+              </a:p>
+            </p:txBody>
+          </p:sp>
+        </p:grpSp>
+        <p:grpSp>
+          <p:nvGrpSpPr>
+            <p:cNvPr id="30" name="组合 29"/>
+            <p:cNvGrpSpPr/>
+            <p:nvPr/>
+          </p:nvGrpSpPr>
+          <p:grpSpPr>
+            <a:xfrm>
+              <a:off x="2110829" y="1358827"/>
+              <a:ext cx="4127851" cy="1477328"/>
+              <a:chOff x="2103640" y="1537047"/>
+              <a:chExt cx="4127851" cy="1477328"/>
+            </a:xfrm>
+          </p:grpSpPr>
+          <p:sp>
+            <p:nvSpPr>
+              <p:cNvPr id="31" name="TextBox 30"/>
+              <p:cNvSpPr txBox="1"/>
+              <p:nvPr/>
+            </p:nvSpPr>
+            <p:spPr>
+              <a:xfrm>
+                <a:off x="2103640" y="1537047"/>
+                <a:ext cx="4127850" cy="369332"/>
+              </a:xfrm>
+              <a:prstGeom prst="rect">
+                <a:avLst/>
+              </a:prstGeom>
+              <a:noFill/>
+            </p:spPr>
+            <p:txBody>
+              <a:bodyPr wrap="square" rtlCol="0">
+                <a:spAutoFit/>
+              </a:bodyPr>
+              <a:lstStyle/>
+              <a:p>
+                <a:r>
+                  <a:rPr lang="en-US" altLang="zh-CN" dirty="0" smtClean="0"/>
+                  <a:t>+ void </a:t>
+                </a:r>
+                <a:r>
+                  <a:rPr lang="en-US" altLang="zh-CN" dirty="0" err="1" smtClean="0"/>
+                  <a:t>changeName</a:t>
+                </a:r>
+                <a:r>
+                  <a:rPr lang="en-US" altLang="zh-CN" dirty="0" smtClean="0"/>
+                  <a:t>(String name)</a:t>
+                </a:r>
+                <a:endParaRPr lang="zh-CN" altLang="en-US" dirty="0"/>
+              </a:p>
+            </p:txBody>
+          </p:sp>
+          <p:sp>
+            <p:nvSpPr>
+              <p:cNvPr id="32" name="TextBox 31"/>
+              <p:cNvSpPr txBox="1"/>
+              <p:nvPr/>
+            </p:nvSpPr>
+            <p:spPr>
+              <a:xfrm>
+                <a:off x="2103641" y="1906379"/>
+                <a:ext cx="4127850" cy="369332"/>
+              </a:xfrm>
+              <a:prstGeom prst="rect">
+                <a:avLst/>
+              </a:prstGeom>
+              <a:noFill/>
+            </p:spPr>
+            <p:txBody>
+              <a:bodyPr wrap="square" rtlCol="0">
+                <a:spAutoFit/>
+              </a:bodyPr>
+              <a:lstStyle/>
+              <a:p>
+                <a:r>
+                  <a:rPr lang="en-US" altLang="zh-CN" dirty="0" smtClean="0"/>
+                  <a:t>+ void </a:t>
+                </a:r>
+                <a:r>
+                  <a:rPr lang="en-US" altLang="zh-CN" dirty="0" err="1" smtClean="0"/>
+                  <a:t>changePwd</a:t>
+                </a:r>
+                <a:r>
+                  <a:rPr lang="en-US" altLang="zh-CN" dirty="0" smtClean="0"/>
+                  <a:t>(String </a:t>
+                </a:r>
+                <a:r>
+                  <a:rPr lang="en-US" altLang="zh-CN" dirty="0" err="1" smtClean="0"/>
+                  <a:t>pwd</a:t>
+                </a:r>
+                <a:r>
+                  <a:rPr lang="en-US" altLang="zh-CN" dirty="0" smtClean="0"/>
+                  <a:t>)</a:t>
+                </a:r>
+                <a:endParaRPr lang="zh-CN" altLang="en-US" dirty="0"/>
+              </a:p>
+            </p:txBody>
+          </p:sp>
+          <p:sp>
+            <p:nvSpPr>
+              <p:cNvPr id="33" name="TextBox 32"/>
+              <p:cNvSpPr txBox="1"/>
+              <p:nvPr/>
+            </p:nvSpPr>
+            <p:spPr>
+              <a:xfrm>
+                <a:off x="2103641" y="2275711"/>
+                <a:ext cx="4127850" cy="369332"/>
+              </a:xfrm>
+              <a:prstGeom prst="rect">
+                <a:avLst/>
+              </a:prstGeom>
+              <a:noFill/>
+            </p:spPr>
+            <p:txBody>
+              <a:bodyPr wrap="square" rtlCol="0">
+                <a:spAutoFit/>
+              </a:bodyPr>
+              <a:lstStyle/>
+              <a:p>
+                <a:r>
+                  <a:rPr lang="en-US" altLang="zh-CN" dirty="0" smtClean="0"/>
+                  <a:t>+ </a:t>
+                </a:r>
+                <a:r>
+                  <a:rPr lang="en-US" altLang="zh-CN" dirty="0"/>
+                  <a:t>void deposit </a:t>
+                </a:r>
+                <a:r>
+                  <a:rPr lang="en-US" altLang="zh-CN" dirty="0" smtClean="0"/>
+                  <a:t>(</a:t>
+                </a:r>
+                <a:r>
+                  <a:rPr lang="en-US" altLang="zh-CN" dirty="0"/>
+                  <a:t>long money)</a:t>
+                </a:r>
+                <a:endParaRPr lang="zh-CN" altLang="en-US" dirty="0"/>
+              </a:p>
+            </p:txBody>
+          </p:sp>
+          <p:sp>
+            <p:nvSpPr>
+              <p:cNvPr id="34" name="TextBox 33"/>
+              <p:cNvSpPr txBox="1"/>
+              <p:nvPr/>
+            </p:nvSpPr>
+            <p:spPr>
+              <a:xfrm>
+                <a:off x="2103641" y="2645043"/>
+                <a:ext cx="4127850" cy="369332"/>
+              </a:xfrm>
+              <a:prstGeom prst="rect">
+                <a:avLst/>
+              </a:prstGeom>
+              <a:noFill/>
+            </p:spPr>
+            <p:txBody>
+              <a:bodyPr wrap="square" rtlCol="0">
+                <a:spAutoFit/>
+              </a:bodyPr>
+              <a:lstStyle/>
+              <a:p>
+                <a:r>
+                  <a:rPr lang="en-US" altLang="zh-CN" dirty="0" smtClean="0"/>
+                  <a:t>+ </a:t>
+                </a:r>
+                <a:r>
+                  <a:rPr lang="en-US" altLang="zh-CN" dirty="0"/>
+                  <a:t>void </a:t>
+                </a:r>
+                <a:r>
+                  <a:rPr lang="en-US" altLang="zh-CN" dirty="0" smtClean="0"/>
+                  <a:t>payment(long </a:t>
+                </a:r>
+                <a:r>
+                  <a:rPr lang="en-US" altLang="zh-CN" dirty="0"/>
+                  <a:t>money)</a:t>
+                </a:r>
+                <a:endParaRPr lang="zh-CN" altLang="en-US" dirty="0"/>
+              </a:p>
+            </p:txBody>
+          </p:sp>
+        </p:grpSp>
+      </p:grpSp>
+      <p:sp>
+        <p:nvSpPr>
+          <p:cNvPr id="2" name="矩形 1"/>
+          <p:cNvSpPr/>
+          <p:nvPr/>
+        </p:nvSpPr>
+        <p:spPr>
+          <a:xfrm>
+            <a:off x="2485772" y="3861048"/>
+            <a:ext cx="4320479" cy="288032"/>
+          </a:xfrm>
+          <a:prstGeom prst="rect">
+            <a:avLst/>
+          </a:prstGeom>
+        </p:spPr>
+        <p:style>
+          <a:lnRef idx="2">
+            <a:schemeClr val="dk1"/>
+          </a:lnRef>
+          <a:fillRef idx="1">
+            <a:schemeClr val="lt1"/>
+          </a:fillRef>
+          <a:effectRef idx="0">
+            <a:schemeClr val="dk1"/>
+          </a:effectRef>
+          <a:fontRef idx="minor">
+            <a:schemeClr val="dk1"/>
+          </a:fontRef>
+        </p:style>
+        <p:txBody>
+          <a:bodyPr rtlCol="0" anchor="ctr"/>
+          <a:lstStyle/>
+          <a:p>
+            <a:pPr algn="ctr"/>
+            <a:endParaRPr lang="zh-CN" altLang="en-US"/>
+          </a:p>
+        </p:txBody>
+      </p:sp>
+    </p:spTree>
+    <p:extLst>
+      <p:ext uri="{BB962C8B-B14F-4D97-AF65-F5344CB8AC3E}">
+        <p14:creationId xmlns:p14="http://schemas.microsoft.com/office/powerpoint/2010/main" val="1980060476"/>
+      </p:ext>
+    </p:extLst>
+  </p:cSld>
+  <p:clrMapOvr>
+    <a:masterClrMapping/>
+  </p:clrMapOvr>
+  <p:timing>
+    <p:tnLst>
+      <p:par>
+        <p:cTn id="1" dur="indefinite" restart="never" nodeType="tmRoot"/>
+      </p:par>
+    </p:tnLst>
+  </p:timing>
+</p:sld>
+</file>
+
 <file path=ppt/theme/theme1.xml><?xml version="1.0" encoding="utf-8"?>
 <a:theme xmlns:a="http://schemas.openxmlformats.org/drawingml/2006/main" name="Office 主题">
   <a:themeElements>

--- a/img/可编辑图片.pptx
+++ b/img/可编辑图片.pptx
@@ -9,6 +9,7 @@
     <p:sldId id="257" r:id="rId3"/>
     <p:sldId id="258" r:id="rId4"/>
     <p:sldId id="259" r:id="rId5"/>
+    <p:sldId id="260" r:id="rId6"/>
   </p:sldIdLst>
   <p:sldSz cx="9144000" cy="6858000" type="screen4x3"/>
   <p:notesSz cx="6858000" cy="9144000"/>
@@ -291,7 +292,7 @@
           <a:p>
             <a:fld id="{530820CF-B880-4189-942D-D702A7CBA730}" type="datetimeFigureOut">
               <a:rPr lang="zh-CN" altLang="en-US" smtClean="0"/>
-              <a:t>2019/5/10</a:t>
+              <a:t>2019/5/14</a:t>
             </a:fld>
             <a:endParaRPr lang="zh-CN" altLang="en-US"/>
           </a:p>
@@ -456,7 +457,7 @@
           <a:p>
             <a:fld id="{530820CF-B880-4189-942D-D702A7CBA730}" type="datetimeFigureOut">
               <a:rPr lang="zh-CN" altLang="en-US" smtClean="0"/>
-              <a:t>2019/5/10</a:t>
+              <a:t>2019/5/14</a:t>
             </a:fld>
             <a:endParaRPr lang="zh-CN" altLang="en-US"/>
           </a:p>
@@ -631,7 +632,7 @@
           <a:p>
             <a:fld id="{530820CF-B880-4189-942D-D702A7CBA730}" type="datetimeFigureOut">
               <a:rPr lang="zh-CN" altLang="en-US" smtClean="0"/>
-              <a:t>2019/5/10</a:t>
+              <a:t>2019/5/14</a:t>
             </a:fld>
             <a:endParaRPr lang="zh-CN" altLang="en-US"/>
           </a:p>
@@ -796,7 +797,7 @@
           <a:p>
             <a:fld id="{530820CF-B880-4189-942D-D702A7CBA730}" type="datetimeFigureOut">
               <a:rPr lang="zh-CN" altLang="en-US" smtClean="0"/>
-              <a:t>2019/5/10</a:t>
+              <a:t>2019/5/14</a:t>
             </a:fld>
             <a:endParaRPr lang="zh-CN" altLang="en-US"/>
           </a:p>
@@ -1037,7 +1038,7 @@
           <a:p>
             <a:fld id="{530820CF-B880-4189-942D-D702A7CBA730}" type="datetimeFigureOut">
               <a:rPr lang="zh-CN" altLang="en-US" smtClean="0"/>
-              <a:t>2019/5/10</a:t>
+              <a:t>2019/5/14</a:t>
             </a:fld>
             <a:endParaRPr lang="zh-CN" altLang="en-US"/>
           </a:p>
@@ -1320,7 +1321,7 @@
           <a:p>
             <a:fld id="{530820CF-B880-4189-942D-D702A7CBA730}" type="datetimeFigureOut">
               <a:rPr lang="zh-CN" altLang="en-US" smtClean="0"/>
-              <a:t>2019/5/10</a:t>
+              <a:t>2019/5/14</a:t>
             </a:fld>
             <a:endParaRPr lang="zh-CN" altLang="en-US"/>
           </a:p>
@@ -1737,7 +1738,7 @@
           <a:p>
             <a:fld id="{530820CF-B880-4189-942D-D702A7CBA730}" type="datetimeFigureOut">
               <a:rPr lang="zh-CN" altLang="en-US" smtClean="0"/>
-              <a:t>2019/5/10</a:t>
+              <a:t>2019/5/14</a:t>
             </a:fld>
             <a:endParaRPr lang="zh-CN" altLang="en-US"/>
           </a:p>
@@ -1850,7 +1851,7 @@
           <a:p>
             <a:fld id="{530820CF-B880-4189-942D-D702A7CBA730}" type="datetimeFigureOut">
               <a:rPr lang="zh-CN" altLang="en-US" smtClean="0"/>
-              <a:t>2019/5/10</a:t>
+              <a:t>2019/5/14</a:t>
             </a:fld>
             <a:endParaRPr lang="zh-CN" altLang="en-US"/>
           </a:p>
@@ -1940,7 +1941,7 @@
           <a:p>
             <a:fld id="{530820CF-B880-4189-942D-D702A7CBA730}" type="datetimeFigureOut">
               <a:rPr lang="zh-CN" altLang="en-US" smtClean="0"/>
-              <a:t>2019/5/10</a:t>
+              <a:t>2019/5/14</a:t>
             </a:fld>
             <a:endParaRPr lang="zh-CN" altLang="en-US"/>
           </a:p>
@@ -2212,7 +2213,7 @@
           <a:p>
             <a:fld id="{530820CF-B880-4189-942D-D702A7CBA730}" type="datetimeFigureOut">
               <a:rPr lang="zh-CN" altLang="en-US" smtClean="0"/>
-              <a:t>2019/5/10</a:t>
+              <a:t>2019/5/14</a:t>
             </a:fld>
             <a:endParaRPr lang="zh-CN" altLang="en-US"/>
           </a:p>
@@ -2460,7 +2461,7 @@
           <a:p>
             <a:fld id="{530820CF-B880-4189-942D-D702A7CBA730}" type="datetimeFigureOut">
               <a:rPr lang="zh-CN" altLang="en-US" smtClean="0"/>
-              <a:t>2019/5/10</a:t>
+              <a:t>2019/5/14</a:t>
             </a:fld>
             <a:endParaRPr lang="zh-CN" altLang="en-US"/>
           </a:p>
@@ -2668,7 +2669,7 @@
           <a:p>
             <a:fld id="{530820CF-B880-4189-942D-D702A7CBA730}" type="datetimeFigureOut">
               <a:rPr lang="zh-CN" altLang="en-US" smtClean="0"/>
-              <a:t>2019/5/10</a:t>
+              <a:t>2019/5/14</a:t>
             </a:fld>
             <a:endParaRPr lang="zh-CN" altLang="en-US"/>
           </a:p>
@@ -5737,6 +5738,751 @@
 </p:sld>
 </file>
 
+<file path=ppt/slides/slide5.xml><?xml version="1.0" encoding="utf-8"?>
+<p:sld xmlns:a="http://schemas.openxmlformats.org/drawingml/2006/main" xmlns:r="http://schemas.openxmlformats.org/officeDocument/2006/relationships" xmlns:p="http://schemas.openxmlformats.org/presentationml/2006/main">
+  <p:cSld>
+    <p:spTree>
+      <p:nvGrpSpPr>
+        <p:cNvPr id="1" name=""/>
+        <p:cNvGrpSpPr/>
+        <p:nvPr/>
+      </p:nvGrpSpPr>
+      <p:grpSpPr>
+        <a:xfrm>
+          <a:off x="0" y="0"/>
+          <a:ext cx="0" cy="0"/>
+          <a:chOff x="0" y="0"/>
+          <a:chExt cx="0" cy="0"/>
+        </a:xfrm>
+      </p:grpSpPr>
+      <p:sp>
+        <p:nvSpPr>
+          <p:cNvPr id="26" name="TextBox 25"/>
+          <p:cNvSpPr txBox="1"/>
+          <p:nvPr/>
+        </p:nvSpPr>
+        <p:spPr>
+          <a:xfrm>
+            <a:off x="467544" y="476672"/>
+            <a:ext cx="7560840" cy="369332"/>
+          </a:xfrm>
+          <a:prstGeom prst="rect">
+            <a:avLst/>
+          </a:prstGeom>
+          <a:noFill/>
+        </p:spPr>
+        <p:txBody>
+          <a:bodyPr wrap="square" rtlCol="0">
+            <a:spAutoFit/>
+          </a:bodyPr>
+          <a:lstStyle/>
+          <a:p>
+            <a:r>
+              <a:rPr lang="zh-CN" altLang="en-US" dirty="0" smtClean="0"/>
+              <a:t>设计原则</a:t>
+            </a:r>
+            <a:r>
+              <a:rPr lang="zh-CN" altLang="en-US" dirty="0"/>
+              <a:t>：里式替换原则</a:t>
+            </a:r>
+            <a:endParaRPr lang="zh-CN" altLang="en-US" dirty="0"/>
+          </a:p>
+        </p:txBody>
+      </p:sp>
+      <p:sp>
+        <p:nvSpPr>
+          <p:cNvPr id="27" name="TextBox 26"/>
+          <p:cNvSpPr txBox="1"/>
+          <p:nvPr/>
+        </p:nvSpPr>
+        <p:spPr>
+          <a:xfrm>
+            <a:off x="3698381" y="6035915"/>
+            <a:ext cx="1895262" cy="369332"/>
+          </a:xfrm>
+          <a:prstGeom prst="rect">
+            <a:avLst/>
+          </a:prstGeom>
+          <a:noFill/>
+        </p:spPr>
+        <p:txBody>
+          <a:bodyPr wrap="none" rtlCol="0">
+            <a:spAutoFit/>
+          </a:bodyPr>
+          <a:lstStyle/>
+          <a:p>
+            <a:r>
+              <a:rPr lang="en-US" altLang="zh-CN" dirty="0" smtClean="0"/>
+              <a:t>2.2 </a:t>
+            </a:r>
+            <a:r>
+              <a:rPr lang="en-US" altLang="zh-CN" dirty="0" err="1" smtClean="0"/>
+              <a:t>UserInfo</a:t>
+            </a:r>
+            <a:r>
+              <a:rPr lang="en-US" altLang="zh-CN" dirty="0" smtClean="0"/>
+              <a:t>  </a:t>
+            </a:r>
+            <a:r>
+              <a:rPr lang="zh-CN" altLang="en-US" dirty="0" smtClean="0"/>
+              <a:t>类图</a:t>
+            </a:r>
+            <a:endParaRPr lang="zh-CN" altLang="en-US" dirty="0"/>
+          </a:p>
+        </p:txBody>
+      </p:sp>
+      <p:grpSp>
+        <p:nvGrpSpPr>
+          <p:cNvPr id="4" name="组合 3"/>
+          <p:cNvGrpSpPr/>
+          <p:nvPr/>
+        </p:nvGrpSpPr>
+        <p:grpSpPr>
+          <a:xfrm>
+            <a:off x="1248013" y="3439812"/>
+            <a:ext cx="3107870" cy="1080119"/>
+            <a:chOff x="2485772" y="3284985"/>
+            <a:chExt cx="4320479" cy="1080119"/>
+          </a:xfrm>
+        </p:grpSpPr>
+        <p:grpSp>
+          <p:nvGrpSpPr>
+            <p:cNvPr id="38" name="组合 37"/>
+            <p:cNvGrpSpPr/>
+            <p:nvPr/>
+          </p:nvGrpSpPr>
+          <p:grpSpPr>
+            <a:xfrm>
+              <a:off x="2485772" y="3284985"/>
+              <a:ext cx="4320479" cy="1080119"/>
+              <a:chOff x="1970697" y="338162"/>
+              <a:chExt cx="7645849" cy="1236664"/>
+            </a:xfrm>
+          </p:grpSpPr>
+          <p:sp>
+            <p:nvSpPr>
+              <p:cNvPr id="40" name="矩形 39"/>
+              <p:cNvSpPr/>
+              <p:nvPr/>
+            </p:nvSpPr>
+            <p:spPr>
+              <a:xfrm>
+                <a:off x="1970697" y="692696"/>
+                <a:ext cx="7645849" cy="882130"/>
+              </a:xfrm>
+              <a:prstGeom prst="rect">
+                <a:avLst/>
+              </a:prstGeom>
+            </p:spPr>
+            <p:style>
+              <a:lnRef idx="2">
+                <a:schemeClr val="dk1"/>
+              </a:lnRef>
+              <a:fillRef idx="1">
+                <a:schemeClr val="lt1"/>
+              </a:fillRef>
+              <a:effectRef idx="0">
+                <a:schemeClr val="dk1"/>
+              </a:effectRef>
+              <a:fontRef idx="minor">
+                <a:schemeClr val="dk1"/>
+              </a:fontRef>
+            </p:style>
+            <p:txBody>
+              <a:bodyPr rtlCol="0" anchor="ctr"/>
+              <a:lstStyle/>
+              <a:p>
+                <a:pPr algn="ctr"/>
+                <a:r>
+                  <a:rPr lang="en-US" altLang="zh-CN" dirty="0" smtClean="0"/>
+                  <a:t> </a:t>
+                </a:r>
+                <a:endParaRPr lang="zh-CN" altLang="en-US" dirty="0"/>
+              </a:p>
+            </p:txBody>
+          </p:sp>
+          <p:sp>
+            <p:nvSpPr>
+              <p:cNvPr id="41" name="矩形 40"/>
+              <p:cNvSpPr/>
+              <p:nvPr/>
+            </p:nvSpPr>
+            <p:spPr>
+              <a:xfrm>
+                <a:off x="1970697" y="338162"/>
+                <a:ext cx="7645849" cy="659554"/>
+              </a:xfrm>
+              <a:prstGeom prst="rect">
+                <a:avLst/>
+              </a:prstGeom>
+            </p:spPr>
+            <p:style>
+              <a:lnRef idx="2">
+                <a:schemeClr val="dk1"/>
+              </a:lnRef>
+              <a:fillRef idx="1">
+                <a:schemeClr val="lt1"/>
+              </a:fillRef>
+              <a:effectRef idx="0">
+                <a:schemeClr val="dk1"/>
+              </a:effectRef>
+              <a:fontRef idx="minor">
+                <a:schemeClr val="dk1"/>
+              </a:fontRef>
+            </p:style>
+            <p:txBody>
+              <a:bodyPr rtlCol="0" anchor="ctr"/>
+              <a:lstStyle/>
+              <a:p>
+                <a:pPr algn="ctr"/>
+                <a:r>
+                  <a:rPr lang="en-US" altLang="zh-CN" dirty="0" err="1" smtClean="0"/>
+                  <a:t>JDSubmitOrderService</a:t>
+                </a:r>
+                <a:r>
+                  <a:rPr lang="en-US" altLang="zh-CN" dirty="0" err="1"/>
+                  <a:t>Impl</a:t>
+                </a:r>
+                <a:endParaRPr lang="zh-CN" altLang="en-US" dirty="0">
+                  <a:solidFill>
+                    <a:srgbClr val="FF0000"/>
+                  </a:solidFill>
+                </a:endParaRPr>
+              </a:p>
+            </p:txBody>
+          </p:sp>
+        </p:grpSp>
+        <p:sp>
+          <p:nvSpPr>
+            <p:cNvPr id="2" name="矩形 1"/>
+            <p:cNvSpPr/>
+            <p:nvPr/>
+          </p:nvSpPr>
+          <p:spPr>
+            <a:xfrm>
+              <a:off x="2485772" y="3861048"/>
+              <a:ext cx="4320479" cy="288032"/>
+            </a:xfrm>
+            <a:prstGeom prst="rect">
+              <a:avLst/>
+            </a:prstGeom>
+          </p:spPr>
+          <p:style>
+            <a:lnRef idx="2">
+              <a:schemeClr val="dk1"/>
+            </a:lnRef>
+            <a:fillRef idx="1">
+              <a:schemeClr val="lt1"/>
+            </a:fillRef>
+            <a:effectRef idx="0">
+              <a:schemeClr val="dk1"/>
+            </a:effectRef>
+            <a:fontRef idx="minor">
+              <a:schemeClr val="dk1"/>
+            </a:fontRef>
+          </p:style>
+          <p:txBody>
+            <a:bodyPr rtlCol="0" anchor="ctr"/>
+            <a:lstStyle/>
+            <a:p>
+              <a:pPr algn="ctr"/>
+              <a:endParaRPr lang="zh-CN" altLang="en-US"/>
+            </a:p>
+          </p:txBody>
+        </p:sp>
+      </p:grpSp>
+      <p:grpSp>
+        <p:nvGrpSpPr>
+          <p:cNvPr id="3" name="组合 2"/>
+          <p:cNvGrpSpPr/>
+          <p:nvPr/>
+        </p:nvGrpSpPr>
+        <p:grpSpPr>
+          <a:xfrm>
+            <a:off x="1043608" y="1860264"/>
+            <a:ext cx="3382373" cy="1030698"/>
+            <a:chOff x="2485773" y="1102157"/>
+            <a:chExt cx="3382373" cy="1030698"/>
+          </a:xfrm>
+        </p:grpSpPr>
+        <p:grpSp>
+          <p:nvGrpSpPr>
+            <p:cNvPr id="16" name="组合 15"/>
+            <p:cNvGrpSpPr/>
+            <p:nvPr/>
+          </p:nvGrpSpPr>
+          <p:grpSpPr>
+            <a:xfrm>
+              <a:off x="2485773" y="1102157"/>
+              <a:ext cx="3382372" cy="1030698"/>
+              <a:chOff x="1970697" y="692696"/>
+              <a:chExt cx="4401503" cy="1505848"/>
+            </a:xfrm>
+          </p:grpSpPr>
+          <p:sp>
+            <p:nvSpPr>
+              <p:cNvPr id="8" name="矩形 7"/>
+              <p:cNvSpPr/>
+              <p:nvPr/>
+            </p:nvSpPr>
+            <p:spPr>
+              <a:xfrm>
+                <a:off x="1970697" y="692696"/>
+                <a:ext cx="4401503" cy="720080"/>
+              </a:xfrm>
+              <a:prstGeom prst="rect">
+                <a:avLst/>
+              </a:prstGeom>
+            </p:spPr>
+            <p:style>
+              <a:lnRef idx="2">
+                <a:schemeClr val="dk1"/>
+              </a:lnRef>
+              <a:fillRef idx="1">
+                <a:schemeClr val="lt1"/>
+              </a:fillRef>
+              <a:effectRef idx="0">
+                <a:schemeClr val="dk1"/>
+              </a:effectRef>
+              <a:fontRef idx="minor">
+                <a:schemeClr val="dk1"/>
+              </a:fontRef>
+            </p:style>
+            <p:txBody>
+              <a:bodyPr rtlCol="0" anchor="ctr"/>
+              <a:lstStyle/>
+              <a:p>
+                <a:pPr algn="ctr"/>
+                <a:r>
+                  <a:rPr lang="en-US" altLang="zh-CN" dirty="0" err="1" smtClean="0">
+                    <a:solidFill>
+                      <a:schemeClr val="tx1"/>
+                    </a:solidFill>
+                  </a:rPr>
+                  <a:t>SubmitOrderService</a:t>
+                </a:r>
+                <a:endParaRPr lang="zh-CN" altLang="en-US" dirty="0">
+                  <a:solidFill>
+                    <a:schemeClr val="tx1"/>
+                  </a:solidFill>
+                </a:endParaRPr>
+              </a:p>
+            </p:txBody>
+          </p:sp>
+          <p:sp>
+            <p:nvSpPr>
+              <p:cNvPr id="11" name="矩形 10"/>
+              <p:cNvSpPr/>
+              <p:nvPr/>
+            </p:nvSpPr>
+            <p:spPr>
+              <a:xfrm>
+                <a:off x="1970697" y="1412776"/>
+                <a:ext cx="4401503" cy="785768"/>
+              </a:xfrm>
+              <a:prstGeom prst="rect">
+                <a:avLst/>
+              </a:prstGeom>
+            </p:spPr>
+            <p:style>
+              <a:lnRef idx="2">
+                <a:schemeClr val="dk1"/>
+              </a:lnRef>
+              <a:fillRef idx="1">
+                <a:schemeClr val="lt1"/>
+              </a:fillRef>
+              <a:effectRef idx="0">
+                <a:schemeClr val="dk1"/>
+              </a:effectRef>
+              <a:fontRef idx="minor">
+                <a:schemeClr val="dk1"/>
+              </a:fontRef>
+            </p:style>
+            <p:txBody>
+              <a:bodyPr rtlCol="0" anchor="ctr"/>
+              <a:lstStyle/>
+              <a:p>
+                <a:pPr algn="ctr"/>
+                <a:endParaRPr lang="zh-CN" altLang="en-US"/>
+              </a:p>
+            </p:txBody>
+          </p:sp>
+        </p:grpSp>
+        <p:sp>
+          <p:nvSpPr>
+            <p:cNvPr id="29" name="TextBox 28"/>
+            <p:cNvSpPr txBox="1"/>
+            <p:nvPr/>
+          </p:nvSpPr>
+          <p:spPr>
+            <a:xfrm>
+              <a:off x="2620080" y="1700808"/>
+              <a:ext cx="3248066" cy="379173"/>
+            </a:xfrm>
+            <a:prstGeom prst="rect">
+              <a:avLst/>
+            </a:prstGeom>
+            <a:noFill/>
+          </p:spPr>
+          <p:txBody>
+            <a:bodyPr wrap="square" rtlCol="0">
+              <a:spAutoFit/>
+            </a:bodyPr>
+            <a:lstStyle/>
+            <a:p>
+              <a:r>
+                <a:rPr lang="en-US" altLang="zh-CN" dirty="0" smtClean="0"/>
+                <a:t>+ void </a:t>
+              </a:r>
+              <a:r>
+                <a:rPr lang="en-US" altLang="zh-CN" dirty="0" err="1" smtClean="0"/>
+                <a:t>submitOrder</a:t>
+              </a:r>
+              <a:r>
+                <a:rPr lang="en-US" altLang="zh-CN" dirty="0" smtClean="0"/>
+                <a:t>(Order order)</a:t>
+              </a:r>
+              <a:endParaRPr lang="zh-CN" altLang="en-US" dirty="0"/>
+            </a:p>
+          </p:txBody>
+        </p:sp>
+      </p:grpSp>
+      <p:grpSp>
+        <p:nvGrpSpPr>
+          <p:cNvPr id="35" name="组合 34"/>
+          <p:cNvGrpSpPr/>
+          <p:nvPr/>
+        </p:nvGrpSpPr>
+        <p:grpSpPr>
+          <a:xfrm>
+            <a:off x="5064437" y="3439812"/>
+            <a:ext cx="3107870" cy="1080119"/>
+            <a:chOff x="2485772" y="3284985"/>
+            <a:chExt cx="4320479" cy="1080119"/>
+          </a:xfrm>
+        </p:grpSpPr>
+        <p:grpSp>
+          <p:nvGrpSpPr>
+            <p:cNvPr id="36" name="组合 35"/>
+            <p:cNvGrpSpPr/>
+            <p:nvPr/>
+          </p:nvGrpSpPr>
+          <p:grpSpPr>
+            <a:xfrm>
+              <a:off x="2485772" y="3284985"/>
+              <a:ext cx="4320479" cy="1080119"/>
+              <a:chOff x="1970697" y="338162"/>
+              <a:chExt cx="7645849" cy="1236664"/>
+            </a:xfrm>
+          </p:grpSpPr>
+          <p:sp>
+            <p:nvSpPr>
+              <p:cNvPr id="39" name="矩形 38"/>
+              <p:cNvSpPr/>
+              <p:nvPr/>
+            </p:nvSpPr>
+            <p:spPr>
+              <a:xfrm>
+                <a:off x="1970697" y="692696"/>
+                <a:ext cx="7645849" cy="882130"/>
+              </a:xfrm>
+              <a:prstGeom prst="rect">
+                <a:avLst/>
+              </a:prstGeom>
+            </p:spPr>
+            <p:style>
+              <a:lnRef idx="2">
+                <a:schemeClr val="dk1"/>
+              </a:lnRef>
+              <a:fillRef idx="1">
+                <a:schemeClr val="lt1"/>
+              </a:fillRef>
+              <a:effectRef idx="0">
+                <a:schemeClr val="dk1"/>
+              </a:effectRef>
+              <a:fontRef idx="minor">
+                <a:schemeClr val="dk1"/>
+              </a:fontRef>
+            </p:style>
+            <p:txBody>
+              <a:bodyPr rtlCol="0" anchor="ctr"/>
+              <a:lstStyle/>
+              <a:p>
+                <a:pPr algn="ctr"/>
+                <a:r>
+                  <a:rPr lang="en-US" altLang="zh-CN" dirty="0" smtClean="0"/>
+                  <a:t> </a:t>
+                </a:r>
+                <a:endParaRPr lang="zh-CN" altLang="en-US" dirty="0"/>
+              </a:p>
+            </p:txBody>
+          </p:sp>
+          <p:sp>
+            <p:nvSpPr>
+              <p:cNvPr id="42" name="矩形 41"/>
+              <p:cNvSpPr/>
+              <p:nvPr/>
+            </p:nvSpPr>
+            <p:spPr>
+              <a:xfrm>
+                <a:off x="1970697" y="338162"/>
+                <a:ext cx="7645849" cy="659554"/>
+              </a:xfrm>
+              <a:prstGeom prst="rect">
+                <a:avLst/>
+              </a:prstGeom>
+            </p:spPr>
+            <p:style>
+              <a:lnRef idx="2">
+                <a:schemeClr val="dk1"/>
+              </a:lnRef>
+              <a:fillRef idx="1">
+                <a:schemeClr val="lt1"/>
+              </a:fillRef>
+              <a:effectRef idx="0">
+                <a:schemeClr val="dk1"/>
+              </a:effectRef>
+              <a:fontRef idx="minor">
+                <a:schemeClr val="dk1"/>
+              </a:fontRef>
+            </p:style>
+            <p:txBody>
+              <a:bodyPr rtlCol="0" anchor="ctr"/>
+              <a:lstStyle/>
+              <a:p>
+                <a:pPr algn="ctr"/>
+                <a:r>
+                  <a:rPr lang="en-US" altLang="zh-CN" dirty="0" err="1" smtClean="0"/>
+                  <a:t>JDSubmitOrderService</a:t>
+                </a:r>
+                <a:r>
+                  <a:rPr lang="en-US" altLang="zh-CN" dirty="0" err="1"/>
+                  <a:t>Impl</a:t>
+                </a:r>
+                <a:endParaRPr lang="zh-CN" altLang="en-US" dirty="0">
+                  <a:solidFill>
+                    <a:srgbClr val="FF0000"/>
+                  </a:solidFill>
+                </a:endParaRPr>
+              </a:p>
+            </p:txBody>
+          </p:sp>
+        </p:grpSp>
+        <p:sp>
+          <p:nvSpPr>
+            <p:cNvPr id="37" name="矩形 36"/>
+            <p:cNvSpPr/>
+            <p:nvPr/>
+          </p:nvSpPr>
+          <p:spPr>
+            <a:xfrm>
+              <a:off x="2485772" y="3861048"/>
+              <a:ext cx="4320479" cy="288032"/>
+            </a:xfrm>
+            <a:prstGeom prst="rect">
+              <a:avLst/>
+            </a:prstGeom>
+          </p:spPr>
+          <p:style>
+            <a:lnRef idx="2">
+              <a:schemeClr val="dk1"/>
+            </a:lnRef>
+            <a:fillRef idx="1">
+              <a:schemeClr val="lt1"/>
+            </a:fillRef>
+            <a:effectRef idx="0">
+              <a:schemeClr val="dk1"/>
+            </a:effectRef>
+            <a:fontRef idx="minor">
+              <a:schemeClr val="dk1"/>
+            </a:fontRef>
+          </p:style>
+          <p:txBody>
+            <a:bodyPr rtlCol="0" anchor="ctr"/>
+            <a:lstStyle/>
+            <a:p>
+              <a:pPr algn="ctr"/>
+              <a:endParaRPr lang="zh-CN" altLang="en-US"/>
+            </a:p>
+          </p:txBody>
+        </p:sp>
+      </p:grpSp>
+      <p:grpSp>
+        <p:nvGrpSpPr>
+          <p:cNvPr id="43" name="组合 42"/>
+          <p:cNvGrpSpPr/>
+          <p:nvPr/>
+        </p:nvGrpSpPr>
+        <p:grpSpPr>
+          <a:xfrm>
+            <a:off x="4860032" y="1860264"/>
+            <a:ext cx="3382373" cy="1030698"/>
+            <a:chOff x="2485773" y="1102157"/>
+            <a:chExt cx="3382373" cy="1030698"/>
+          </a:xfrm>
+        </p:grpSpPr>
+        <p:grpSp>
+          <p:nvGrpSpPr>
+            <p:cNvPr id="44" name="组合 43"/>
+            <p:cNvGrpSpPr/>
+            <p:nvPr/>
+          </p:nvGrpSpPr>
+          <p:grpSpPr>
+            <a:xfrm>
+              <a:off x="2485773" y="1102157"/>
+              <a:ext cx="3382372" cy="1030698"/>
+              <a:chOff x="1970697" y="692696"/>
+              <a:chExt cx="4401503" cy="1505848"/>
+            </a:xfrm>
+          </p:grpSpPr>
+          <p:sp>
+            <p:nvSpPr>
+              <p:cNvPr id="46" name="矩形 45"/>
+              <p:cNvSpPr/>
+              <p:nvPr/>
+            </p:nvSpPr>
+            <p:spPr>
+              <a:xfrm>
+                <a:off x="1970697" y="692696"/>
+                <a:ext cx="4401503" cy="720080"/>
+              </a:xfrm>
+              <a:prstGeom prst="rect">
+                <a:avLst/>
+              </a:prstGeom>
+            </p:spPr>
+            <p:style>
+              <a:lnRef idx="2">
+                <a:schemeClr val="dk1"/>
+              </a:lnRef>
+              <a:fillRef idx="1">
+                <a:schemeClr val="lt1"/>
+              </a:fillRef>
+              <a:effectRef idx="0">
+                <a:schemeClr val="dk1"/>
+              </a:effectRef>
+              <a:fontRef idx="minor">
+                <a:schemeClr val="dk1"/>
+              </a:fontRef>
+            </p:style>
+            <p:txBody>
+              <a:bodyPr rtlCol="0" anchor="ctr"/>
+              <a:lstStyle/>
+              <a:p>
+                <a:pPr algn="ctr"/>
+                <a:r>
+                  <a:rPr lang="en-US" altLang="zh-CN" dirty="0" err="1" smtClean="0">
+                    <a:solidFill>
+                      <a:schemeClr val="tx1"/>
+                    </a:solidFill>
+                  </a:rPr>
+                  <a:t>SubmitOrderService</a:t>
+                </a:r>
+                <a:endParaRPr lang="zh-CN" altLang="en-US" dirty="0">
+                  <a:solidFill>
+                    <a:schemeClr val="tx1"/>
+                  </a:solidFill>
+                </a:endParaRPr>
+              </a:p>
+            </p:txBody>
+          </p:sp>
+          <p:sp>
+            <p:nvSpPr>
+              <p:cNvPr id="47" name="矩形 46"/>
+              <p:cNvSpPr/>
+              <p:nvPr/>
+            </p:nvSpPr>
+            <p:spPr>
+              <a:xfrm>
+                <a:off x="1970697" y="1412776"/>
+                <a:ext cx="4401503" cy="785768"/>
+              </a:xfrm>
+              <a:prstGeom prst="rect">
+                <a:avLst/>
+              </a:prstGeom>
+            </p:spPr>
+            <p:style>
+              <a:lnRef idx="2">
+                <a:schemeClr val="dk1"/>
+              </a:lnRef>
+              <a:fillRef idx="1">
+                <a:schemeClr val="lt1"/>
+              </a:fillRef>
+              <a:effectRef idx="0">
+                <a:schemeClr val="dk1"/>
+              </a:effectRef>
+              <a:fontRef idx="minor">
+                <a:schemeClr val="dk1"/>
+              </a:fontRef>
+            </p:style>
+            <p:txBody>
+              <a:bodyPr rtlCol="0" anchor="ctr"/>
+              <a:lstStyle/>
+              <a:p>
+                <a:pPr algn="ctr"/>
+                <a:endParaRPr lang="zh-CN" altLang="en-US"/>
+              </a:p>
+            </p:txBody>
+          </p:sp>
+        </p:grpSp>
+        <p:sp>
+          <p:nvSpPr>
+            <p:cNvPr id="45" name="TextBox 44"/>
+            <p:cNvSpPr txBox="1"/>
+            <p:nvPr/>
+          </p:nvSpPr>
+          <p:spPr>
+            <a:xfrm>
+              <a:off x="2620080" y="1700808"/>
+              <a:ext cx="3248066" cy="379173"/>
+            </a:xfrm>
+            <a:prstGeom prst="rect">
+              <a:avLst/>
+            </a:prstGeom>
+            <a:noFill/>
+          </p:spPr>
+          <p:txBody>
+            <a:bodyPr wrap="square" rtlCol="0">
+              <a:spAutoFit/>
+            </a:bodyPr>
+            <a:lstStyle/>
+            <a:p>
+              <a:r>
+                <a:rPr lang="en-US" altLang="zh-CN" dirty="0" smtClean="0"/>
+                <a:t>+ void </a:t>
+              </a:r>
+              <a:r>
+                <a:rPr lang="en-US" altLang="zh-CN" dirty="0" err="1" smtClean="0"/>
+                <a:t>submitOrder</a:t>
+              </a:r>
+              <a:r>
+                <a:rPr lang="en-US" altLang="zh-CN" dirty="0" smtClean="0"/>
+                <a:t>(Order order)</a:t>
+              </a:r>
+              <a:endParaRPr lang="zh-CN" altLang="en-US" dirty="0"/>
+            </a:p>
+          </p:txBody>
+        </p:sp>
+      </p:grpSp>
+    </p:spTree>
+    <p:extLst>
+      <p:ext uri="{BB962C8B-B14F-4D97-AF65-F5344CB8AC3E}">
+        <p14:creationId xmlns:p14="http://schemas.microsoft.com/office/powerpoint/2010/main" val="1063603551"/>
+      </p:ext>
+    </p:extLst>
+  </p:cSld>
+  <p:clrMapOvr>
+    <a:masterClrMapping/>
+  </p:clrMapOvr>
+  <p:timing>
+    <p:tnLst>
+      <p:par>
+        <p:cTn id="1" dur="indefinite" restart="never" nodeType="tmRoot"/>
+      </p:par>
+    </p:tnLst>
+  </p:timing>
+</p:sld>
+</file>
+
 <file path=ppt/theme/theme1.xml><?xml version="1.0" encoding="utf-8"?>
 <a:theme xmlns:a="http://schemas.openxmlformats.org/drawingml/2006/main" name="Office 主题">
   <a:themeElements>

--- a/img/可编辑图片.pptx
+++ b/img/可编辑图片.pptx
@@ -292,7 +292,7 @@
           <a:p>
             <a:fld id="{530820CF-B880-4189-942D-D702A7CBA730}" type="datetimeFigureOut">
               <a:rPr lang="zh-CN" altLang="en-US" smtClean="0"/>
-              <a:t>2019/5/14</a:t>
+              <a:t>2019/5/20</a:t>
             </a:fld>
             <a:endParaRPr lang="zh-CN" altLang="en-US"/>
           </a:p>
@@ -457,7 +457,7 @@
           <a:p>
             <a:fld id="{530820CF-B880-4189-942D-D702A7CBA730}" type="datetimeFigureOut">
               <a:rPr lang="zh-CN" altLang="en-US" smtClean="0"/>
-              <a:t>2019/5/14</a:t>
+              <a:t>2019/5/20</a:t>
             </a:fld>
             <a:endParaRPr lang="zh-CN" altLang="en-US"/>
           </a:p>
@@ -632,7 +632,7 @@
           <a:p>
             <a:fld id="{530820CF-B880-4189-942D-D702A7CBA730}" type="datetimeFigureOut">
               <a:rPr lang="zh-CN" altLang="en-US" smtClean="0"/>
-              <a:t>2019/5/14</a:t>
+              <a:t>2019/5/20</a:t>
             </a:fld>
             <a:endParaRPr lang="zh-CN" altLang="en-US"/>
           </a:p>
@@ -797,7 +797,7 @@
           <a:p>
             <a:fld id="{530820CF-B880-4189-942D-D702A7CBA730}" type="datetimeFigureOut">
               <a:rPr lang="zh-CN" altLang="en-US" smtClean="0"/>
-              <a:t>2019/5/14</a:t>
+              <a:t>2019/5/20</a:t>
             </a:fld>
             <a:endParaRPr lang="zh-CN" altLang="en-US"/>
           </a:p>
@@ -1038,7 +1038,7 @@
           <a:p>
             <a:fld id="{530820CF-B880-4189-942D-D702A7CBA730}" type="datetimeFigureOut">
               <a:rPr lang="zh-CN" altLang="en-US" smtClean="0"/>
-              <a:t>2019/5/14</a:t>
+              <a:t>2019/5/20</a:t>
             </a:fld>
             <a:endParaRPr lang="zh-CN" altLang="en-US"/>
           </a:p>
@@ -1321,7 +1321,7 @@
           <a:p>
             <a:fld id="{530820CF-B880-4189-942D-D702A7CBA730}" type="datetimeFigureOut">
               <a:rPr lang="zh-CN" altLang="en-US" smtClean="0"/>
-              <a:t>2019/5/14</a:t>
+              <a:t>2019/5/20</a:t>
             </a:fld>
             <a:endParaRPr lang="zh-CN" altLang="en-US"/>
           </a:p>
@@ -1738,7 +1738,7 @@
           <a:p>
             <a:fld id="{530820CF-B880-4189-942D-D702A7CBA730}" type="datetimeFigureOut">
               <a:rPr lang="zh-CN" altLang="en-US" smtClean="0"/>
-              <a:t>2019/5/14</a:t>
+              <a:t>2019/5/20</a:t>
             </a:fld>
             <a:endParaRPr lang="zh-CN" altLang="en-US"/>
           </a:p>
@@ -1851,7 +1851,7 @@
           <a:p>
             <a:fld id="{530820CF-B880-4189-942D-D702A7CBA730}" type="datetimeFigureOut">
               <a:rPr lang="zh-CN" altLang="en-US" smtClean="0"/>
-              <a:t>2019/5/14</a:t>
+              <a:t>2019/5/20</a:t>
             </a:fld>
             <a:endParaRPr lang="zh-CN" altLang="en-US"/>
           </a:p>
@@ -1941,7 +1941,7 @@
           <a:p>
             <a:fld id="{530820CF-B880-4189-942D-D702A7CBA730}" type="datetimeFigureOut">
               <a:rPr lang="zh-CN" altLang="en-US" smtClean="0"/>
-              <a:t>2019/5/14</a:t>
+              <a:t>2019/5/20</a:t>
             </a:fld>
             <a:endParaRPr lang="zh-CN" altLang="en-US"/>
           </a:p>
@@ -2213,7 +2213,7 @@
           <a:p>
             <a:fld id="{530820CF-B880-4189-942D-D702A7CBA730}" type="datetimeFigureOut">
               <a:rPr lang="zh-CN" altLang="en-US" smtClean="0"/>
-              <a:t>2019/5/14</a:t>
+              <a:t>2019/5/20</a:t>
             </a:fld>
             <a:endParaRPr lang="zh-CN" altLang="en-US"/>
           </a:p>
@@ -2461,7 +2461,7 @@
           <a:p>
             <a:fld id="{530820CF-B880-4189-942D-D702A7CBA730}" type="datetimeFigureOut">
               <a:rPr lang="zh-CN" altLang="en-US" smtClean="0"/>
-              <a:t>2019/5/14</a:t>
+              <a:t>2019/5/20</a:t>
             </a:fld>
             <a:endParaRPr lang="zh-CN" altLang="en-US"/>
           </a:p>
@@ -2669,7 +2669,7 @@
           <a:p>
             <a:fld id="{530820CF-B880-4189-942D-D702A7CBA730}" type="datetimeFigureOut">
               <a:rPr lang="zh-CN" altLang="en-US" smtClean="0"/>
-              <a:t>2019/5/14</a:t>
+              <a:t>2019/5/20</a:t>
             </a:fld>
             <a:endParaRPr lang="zh-CN" altLang="en-US"/>
           </a:p>
@@ -5785,7 +5785,6 @@
               <a:rPr lang="zh-CN" altLang="en-US" dirty="0"/>
               <a:t>：里式替换原则</a:t>
             </a:r>
-            <a:endParaRPr lang="zh-CN" altLang="en-US" dirty="0"/>
           </a:p>
         </p:txBody>
       </p:sp>
@@ -5798,7 +5797,7 @@
         <p:spPr>
           <a:xfrm>
             <a:off x="3698381" y="6035915"/>
-            <a:ext cx="1895262" cy="369332"/>
+            <a:ext cx="1590564" cy="369332"/>
           </a:xfrm>
           <a:prstGeom prst="rect">
             <a:avLst/>
@@ -5813,19 +5812,15 @@
           <a:p>
             <a:r>
               <a:rPr lang="en-US" altLang="zh-CN" dirty="0" smtClean="0"/>
-              <a:t>2.2 </a:t>
-            </a:r>
-            <a:r>
-              <a:rPr lang="en-US" altLang="zh-CN" dirty="0" err="1" smtClean="0"/>
-              <a:t>UserInfo</a:t>
-            </a:r>
-            <a:r>
-              <a:rPr lang="en-US" altLang="zh-CN" dirty="0" smtClean="0"/>
-              <a:t>  </a:t>
+              <a:t>2.3 Order </a:t>
             </a:r>
             <a:r>
               <a:rPr lang="zh-CN" altLang="en-US" dirty="0" smtClean="0"/>
-              <a:t>类图</a:t>
+              <a:t>类</a:t>
+            </a:r>
+            <a:r>
+              <a:rPr lang="zh-CN" altLang="en-US" dirty="0" smtClean="0"/>
+              <a:t>图</a:t>
             </a:r>
             <a:endParaRPr lang="zh-CN" altLang="en-US" dirty="0"/>
           </a:p>
@@ -5839,10 +5834,10 @@
         </p:nvGrpSpPr>
         <p:grpSpPr>
           <a:xfrm>
-            <a:off x="1248013" y="3439812"/>
-            <a:ext cx="3107870" cy="1080119"/>
-            <a:chOff x="2485772" y="3284985"/>
-            <a:chExt cx="4320479" cy="1080119"/>
+            <a:off x="887972" y="4015874"/>
+            <a:ext cx="3107871" cy="1080119"/>
+            <a:chOff x="2485771" y="3284985"/>
+            <a:chExt cx="4320481" cy="1080119"/>
           </a:xfrm>
         </p:grpSpPr>
         <p:grpSp>
@@ -5853,10 +5848,10 @@
           </p:nvGrpSpPr>
           <p:grpSpPr>
             <a:xfrm>
-              <a:off x="2485772" y="3284985"/>
-              <a:ext cx="4320479" cy="1080119"/>
+              <a:off x="2485771" y="3284985"/>
+              <a:ext cx="4320481" cy="1080119"/>
               <a:chOff x="1970697" y="338162"/>
-              <a:chExt cx="7645849" cy="1236664"/>
+              <a:chExt cx="7645854" cy="1236664"/>
             </a:xfrm>
           </p:grpSpPr>
           <p:sp>
@@ -5909,8 +5904,8 @@
             </p:nvSpPr>
             <p:spPr>
               <a:xfrm>
-                <a:off x="1970697" y="338162"/>
-                <a:ext cx="7645849" cy="659554"/>
+                <a:off x="1970699" y="338162"/>
+                <a:ext cx="7645852" cy="659554"/>
               </a:xfrm>
               <a:prstGeom prst="rect">
                 <a:avLst/>
@@ -5961,7 +5956,7 @@
           <p:spPr>
             <a:xfrm>
               <a:off x="2485772" y="3861048"/>
-              <a:ext cx="4320479" cy="288032"/>
+              <a:ext cx="4320480" cy="288032"/>
             </a:xfrm>
             <a:prstGeom prst="rect">
               <a:avLst/>
@@ -5999,7 +5994,7 @@
         </p:nvGrpSpPr>
         <p:grpSpPr>
           <a:xfrm>
-            <a:off x="1043608" y="1860264"/>
+            <a:off x="750721" y="1858211"/>
             <a:ext cx="3382373" cy="1030698"/>
             <a:chOff x="2485773" y="1102157"/>
             <a:chExt cx="3382373" cy="1030698"/>
@@ -6028,7 +6023,7 @@
             <p:spPr>
               <a:xfrm>
                 <a:off x="1970697" y="692696"/>
-                <a:ext cx="4401503" cy="720080"/>
+                <a:ext cx="4401503" cy="720079"/>
               </a:xfrm>
               <a:prstGeom prst="rect">
                 <a:avLst/>
@@ -6155,7 +6150,7 @@
         </p:nvGrpSpPr>
         <p:grpSpPr>
           <a:xfrm>
-            <a:off x="5064437" y="3439812"/>
+            <a:off x="5501339" y="3979871"/>
             <a:ext cx="3107870" cy="1080119"/>
             <a:chOff x="2485772" y="3284985"/>
             <a:chExt cx="4320479" cy="1080119"/>
@@ -6253,11 +6248,7 @@
                 <a:pPr algn="ctr"/>
                 <a:r>
                   <a:rPr lang="en-US" altLang="zh-CN" dirty="0" err="1" smtClean="0"/>
-                  <a:t>JDSubmitOrderService</a:t>
-                </a:r>
-                <a:r>
-                  <a:rPr lang="en-US" altLang="zh-CN" dirty="0" err="1"/>
-                  <a:t>Impl</a:t>
+                  <a:t>JDOrder</a:t>
                 </a:r>
                 <a:endParaRPr lang="zh-CN" altLang="en-US" dirty="0">
                   <a:solidFill>
@@ -6315,7 +6306,7 @@
         </p:nvGrpSpPr>
         <p:grpSpPr>
           <a:xfrm>
-            <a:off x="4860032" y="1860264"/>
+            <a:off x="5364088" y="1860264"/>
             <a:ext cx="3382373" cy="1030698"/>
             <a:chOff x="2485773" y="1102157"/>
             <a:chExt cx="3382373" cy="1030698"/>
@@ -6370,12 +6361,12 @@
               <a:p>
                 <a:pPr algn="ctr"/>
                 <a:r>
-                  <a:rPr lang="en-US" altLang="zh-CN" dirty="0" err="1" smtClean="0">
+                  <a:rPr lang="en-US" altLang="zh-CN" dirty="0" smtClean="0">
                     <a:solidFill>
                       <a:schemeClr val="tx1"/>
                     </a:solidFill>
                   </a:rPr>
-                  <a:t>SubmitOrderService</a:t>
+                  <a:t>Order</a:t>
                 </a:r>
                 <a:endParaRPr lang="zh-CN" altLang="en-US" dirty="0">
                   <a:solidFill>
@@ -6446,23 +6437,119 @@
             </a:bodyPr>
             <a:lstStyle/>
             <a:p>
-              <a:r>
-                <a:rPr lang="en-US" altLang="zh-CN" dirty="0" smtClean="0"/>
-                <a:t>+ void </a:t>
-              </a:r>
-              <a:r>
-                <a:rPr lang="en-US" altLang="zh-CN" dirty="0" err="1" smtClean="0"/>
-                <a:t>submitOrder</a:t>
-              </a:r>
-              <a:r>
-                <a:rPr lang="en-US" altLang="zh-CN" dirty="0" smtClean="0"/>
-                <a:t>(Order order)</a:t>
-              </a:r>
               <a:endParaRPr lang="zh-CN" altLang="en-US" dirty="0"/>
             </a:p>
           </p:txBody>
         </p:sp>
       </p:grpSp>
+      <p:cxnSp>
+        <p:nvCxnSpPr>
+          <p:cNvPr id="6" name="直接箭头连接符 5"/>
+          <p:cNvCxnSpPr>
+            <a:stCxn id="42" idx="0"/>
+            <a:endCxn id="47" idx="2"/>
+          </p:cNvCxnSpPr>
+          <p:nvPr/>
+        </p:nvCxnSpPr>
+        <p:spPr>
+          <a:xfrm flipV="1">
+            <a:off x="7055274" y="2890962"/>
+            <a:ext cx="0" cy="1088909"/>
+          </a:xfrm>
+          <a:prstGeom prst="straightConnector1">
+            <a:avLst/>
+          </a:prstGeom>
+          <a:ln>
+            <a:tailEnd type="arrow"/>
+          </a:ln>
+        </p:spPr>
+        <p:style>
+          <a:lnRef idx="1">
+            <a:schemeClr val="accent1"/>
+          </a:lnRef>
+          <a:fillRef idx="0">
+            <a:schemeClr val="accent1"/>
+          </a:fillRef>
+          <a:effectRef idx="0">
+            <a:schemeClr val="accent1"/>
+          </a:effectRef>
+          <a:fontRef idx="minor">
+            <a:schemeClr val="tx1"/>
+          </a:fontRef>
+        </p:style>
+      </p:cxnSp>
+      <p:cxnSp>
+        <p:nvCxnSpPr>
+          <p:cNvPr id="9" name="肘形连接符 8"/>
+          <p:cNvCxnSpPr>
+            <a:stCxn id="11" idx="3"/>
+            <a:endCxn id="47" idx="1"/>
+          </p:cNvCxnSpPr>
+          <p:nvPr/>
+        </p:nvCxnSpPr>
+        <p:spPr>
+          <a:xfrm>
+            <a:off x="4133093" y="2619994"/>
+            <a:ext cx="1230995" cy="2053"/>
+          </a:xfrm>
+          <a:prstGeom prst="bentConnector3">
+            <a:avLst/>
+          </a:prstGeom>
+          <a:ln>
+            <a:tailEnd type="arrow"/>
+          </a:ln>
+        </p:spPr>
+        <p:style>
+          <a:lnRef idx="1">
+            <a:schemeClr val="accent1"/>
+          </a:lnRef>
+          <a:fillRef idx="0">
+            <a:schemeClr val="accent1"/>
+          </a:fillRef>
+          <a:effectRef idx="0">
+            <a:schemeClr val="accent1"/>
+          </a:effectRef>
+          <a:fontRef idx="minor">
+            <a:schemeClr val="tx1"/>
+          </a:fontRef>
+        </p:style>
+      </p:cxnSp>
+      <p:cxnSp>
+        <p:nvCxnSpPr>
+          <p:cNvPr id="12" name="直接箭头连接符 11"/>
+          <p:cNvCxnSpPr>
+            <a:stCxn id="41" idx="0"/>
+            <a:endCxn id="11" idx="2"/>
+          </p:cNvCxnSpPr>
+          <p:nvPr/>
+        </p:nvCxnSpPr>
+        <p:spPr>
+          <a:xfrm flipH="1" flipV="1">
+            <a:off x="2441907" y="2888909"/>
+            <a:ext cx="1" cy="1126965"/>
+          </a:xfrm>
+          <a:prstGeom prst="straightConnector1">
+            <a:avLst/>
+          </a:prstGeom>
+          <a:ln>
+            <a:tailEnd type="arrow"/>
+          </a:ln>
+        </p:spPr>
+        <p:style>
+          <a:lnRef idx="1">
+            <a:schemeClr val="accent1"/>
+          </a:lnRef>
+          <a:fillRef idx="0">
+            <a:schemeClr val="accent1"/>
+          </a:fillRef>
+          <a:effectRef idx="0">
+            <a:schemeClr val="accent1"/>
+          </a:effectRef>
+          <a:fontRef idx="minor">
+            <a:schemeClr val="tx1"/>
+          </a:fontRef>
+        </p:style>
+      </p:cxnSp>
     </p:spTree>
     <p:extLst>
       <p:ext uri="{BB962C8B-B14F-4D97-AF65-F5344CB8AC3E}">

--- a/img/可编辑图片.pptx
+++ b/img/可编辑图片.pptx
@@ -10,6 +10,7 @@
     <p:sldId id="258" r:id="rId4"/>
     <p:sldId id="259" r:id="rId5"/>
     <p:sldId id="260" r:id="rId6"/>
+    <p:sldId id="261" r:id="rId7"/>
   </p:sldIdLst>
   <p:sldSz cx="9144000" cy="6858000" type="screen4x3"/>
   <p:notesSz cx="6858000" cy="9144000"/>
@@ -292,7 +293,7 @@
           <a:p>
             <a:fld id="{530820CF-B880-4189-942D-D702A7CBA730}" type="datetimeFigureOut">
               <a:rPr lang="zh-CN" altLang="en-US" smtClean="0"/>
-              <a:t>2019/5/20</a:t>
+              <a:t>2019/5/24</a:t>
             </a:fld>
             <a:endParaRPr lang="zh-CN" altLang="en-US"/>
           </a:p>
@@ -457,7 +458,7 @@
           <a:p>
             <a:fld id="{530820CF-B880-4189-942D-D702A7CBA730}" type="datetimeFigureOut">
               <a:rPr lang="zh-CN" altLang="en-US" smtClean="0"/>
-              <a:t>2019/5/20</a:t>
+              <a:t>2019/5/24</a:t>
             </a:fld>
             <a:endParaRPr lang="zh-CN" altLang="en-US"/>
           </a:p>
@@ -632,7 +633,7 @@
           <a:p>
             <a:fld id="{530820CF-B880-4189-942D-D702A7CBA730}" type="datetimeFigureOut">
               <a:rPr lang="zh-CN" altLang="en-US" smtClean="0"/>
-              <a:t>2019/5/20</a:t>
+              <a:t>2019/5/24</a:t>
             </a:fld>
             <a:endParaRPr lang="zh-CN" altLang="en-US"/>
           </a:p>
@@ -797,7 +798,7 @@
           <a:p>
             <a:fld id="{530820CF-B880-4189-942D-D702A7CBA730}" type="datetimeFigureOut">
               <a:rPr lang="zh-CN" altLang="en-US" smtClean="0"/>
-              <a:t>2019/5/20</a:t>
+              <a:t>2019/5/24</a:t>
             </a:fld>
             <a:endParaRPr lang="zh-CN" altLang="en-US"/>
           </a:p>
@@ -1038,7 +1039,7 @@
           <a:p>
             <a:fld id="{530820CF-B880-4189-942D-D702A7CBA730}" type="datetimeFigureOut">
               <a:rPr lang="zh-CN" altLang="en-US" smtClean="0"/>
-              <a:t>2019/5/20</a:t>
+              <a:t>2019/5/24</a:t>
             </a:fld>
             <a:endParaRPr lang="zh-CN" altLang="en-US"/>
           </a:p>
@@ -1321,7 +1322,7 @@
           <a:p>
             <a:fld id="{530820CF-B880-4189-942D-D702A7CBA730}" type="datetimeFigureOut">
               <a:rPr lang="zh-CN" altLang="en-US" smtClean="0"/>
-              <a:t>2019/5/20</a:t>
+              <a:t>2019/5/24</a:t>
             </a:fld>
             <a:endParaRPr lang="zh-CN" altLang="en-US"/>
           </a:p>
@@ -1738,7 +1739,7 @@
           <a:p>
             <a:fld id="{530820CF-B880-4189-942D-D702A7CBA730}" type="datetimeFigureOut">
               <a:rPr lang="zh-CN" altLang="en-US" smtClean="0"/>
-              <a:t>2019/5/20</a:t>
+              <a:t>2019/5/24</a:t>
             </a:fld>
             <a:endParaRPr lang="zh-CN" altLang="en-US"/>
           </a:p>
@@ -1851,7 +1852,7 @@
           <a:p>
             <a:fld id="{530820CF-B880-4189-942D-D702A7CBA730}" type="datetimeFigureOut">
               <a:rPr lang="zh-CN" altLang="en-US" smtClean="0"/>
-              <a:t>2019/5/20</a:t>
+              <a:t>2019/5/24</a:t>
             </a:fld>
             <a:endParaRPr lang="zh-CN" altLang="en-US"/>
           </a:p>
@@ -1941,7 +1942,7 @@
           <a:p>
             <a:fld id="{530820CF-B880-4189-942D-D702A7CBA730}" type="datetimeFigureOut">
               <a:rPr lang="zh-CN" altLang="en-US" smtClean="0"/>
-              <a:t>2019/5/20</a:t>
+              <a:t>2019/5/24</a:t>
             </a:fld>
             <a:endParaRPr lang="zh-CN" altLang="en-US"/>
           </a:p>
@@ -2213,7 +2214,7 @@
           <a:p>
             <a:fld id="{530820CF-B880-4189-942D-D702A7CBA730}" type="datetimeFigureOut">
               <a:rPr lang="zh-CN" altLang="en-US" smtClean="0"/>
-              <a:t>2019/5/20</a:t>
+              <a:t>2019/5/24</a:t>
             </a:fld>
             <a:endParaRPr lang="zh-CN" altLang="en-US"/>
           </a:p>
@@ -2461,7 +2462,7 @@
           <a:p>
             <a:fld id="{530820CF-B880-4189-942D-D702A7CBA730}" type="datetimeFigureOut">
               <a:rPr lang="zh-CN" altLang="en-US" smtClean="0"/>
-              <a:t>2019/5/20</a:t>
+              <a:t>2019/5/24</a:t>
             </a:fld>
             <a:endParaRPr lang="zh-CN" altLang="en-US"/>
           </a:p>
@@ -2669,7 +2670,7 @@
           <a:p>
             <a:fld id="{530820CF-B880-4189-942D-D702A7CBA730}" type="datetimeFigureOut">
               <a:rPr lang="zh-CN" altLang="en-US" smtClean="0"/>
-              <a:t>2019/5/20</a:t>
+              <a:t>2019/5/24</a:t>
             </a:fld>
             <a:endParaRPr lang="zh-CN" altLang="en-US"/>
           </a:p>
@@ -5816,11 +5817,7 @@
             </a:r>
             <a:r>
               <a:rPr lang="zh-CN" altLang="en-US" dirty="0" smtClean="0"/>
-              <a:t>类</a:t>
-            </a:r>
-            <a:r>
-              <a:rPr lang="zh-CN" altLang="en-US" dirty="0" smtClean="0"/>
-              <a:t>图</a:t>
+              <a:t>类图</a:t>
             </a:r>
             <a:endParaRPr lang="zh-CN" altLang="en-US" dirty="0"/>
           </a:p>
@@ -6570,6 +6567,895 @@
 </p:sld>
 </file>
 
+<file path=ppt/slides/slide6.xml><?xml version="1.0" encoding="utf-8"?>
+<p:sld xmlns:a="http://schemas.openxmlformats.org/drawingml/2006/main" xmlns:r="http://schemas.openxmlformats.org/officeDocument/2006/relationships" xmlns:p="http://schemas.openxmlformats.org/presentationml/2006/main">
+  <p:cSld>
+    <p:spTree>
+      <p:nvGrpSpPr>
+        <p:cNvPr id="1" name=""/>
+        <p:cNvGrpSpPr/>
+        <p:nvPr/>
+      </p:nvGrpSpPr>
+      <p:grpSpPr>
+        <a:xfrm>
+          <a:off x="0" y="0"/>
+          <a:ext cx="0" cy="0"/>
+          <a:chOff x="0" y="0"/>
+          <a:chExt cx="0" cy="0"/>
+        </a:xfrm>
+      </p:grpSpPr>
+      <p:sp>
+        <p:nvSpPr>
+          <p:cNvPr id="26" name="TextBox 25"/>
+          <p:cNvSpPr txBox="1"/>
+          <p:nvPr/>
+        </p:nvSpPr>
+        <p:spPr>
+          <a:xfrm>
+            <a:off x="467544" y="476672"/>
+            <a:ext cx="7560840" cy="369332"/>
+          </a:xfrm>
+          <a:prstGeom prst="rect">
+            <a:avLst/>
+          </a:prstGeom>
+          <a:noFill/>
+        </p:spPr>
+        <p:txBody>
+          <a:bodyPr wrap="square" rtlCol="0">
+            <a:spAutoFit/>
+          </a:bodyPr>
+          <a:lstStyle/>
+          <a:p>
+            <a:r>
+              <a:rPr lang="zh-CN" altLang="en-US" dirty="0" smtClean="0"/>
+              <a:t>设计原则</a:t>
+            </a:r>
+            <a:r>
+              <a:rPr lang="zh-CN" altLang="en-US" dirty="0"/>
+              <a:t>：接口隔离原则</a:t>
+            </a:r>
+          </a:p>
+        </p:txBody>
+      </p:sp>
+      <p:sp>
+        <p:nvSpPr>
+          <p:cNvPr id="27" name="TextBox 26"/>
+          <p:cNvSpPr txBox="1"/>
+          <p:nvPr/>
+        </p:nvSpPr>
+        <p:spPr>
+          <a:xfrm>
+            <a:off x="3698381" y="6035915"/>
+            <a:ext cx="1590564" cy="369332"/>
+          </a:xfrm>
+          <a:prstGeom prst="rect">
+            <a:avLst/>
+          </a:prstGeom>
+          <a:noFill/>
+        </p:spPr>
+        <p:txBody>
+          <a:bodyPr wrap="none" rtlCol="0">
+            <a:spAutoFit/>
+          </a:bodyPr>
+          <a:lstStyle/>
+          <a:p>
+            <a:r>
+              <a:rPr lang="en-US" altLang="zh-CN" dirty="0" smtClean="0"/>
+              <a:t>2.4 Order </a:t>
+            </a:r>
+            <a:r>
+              <a:rPr lang="zh-CN" altLang="en-US" dirty="0" smtClean="0"/>
+              <a:t>类图</a:t>
+            </a:r>
+            <a:endParaRPr lang="zh-CN" altLang="en-US" dirty="0"/>
+          </a:p>
+        </p:txBody>
+      </p:sp>
+      <p:grpSp>
+        <p:nvGrpSpPr>
+          <p:cNvPr id="3" name="组合 2"/>
+          <p:cNvGrpSpPr/>
+          <p:nvPr/>
+        </p:nvGrpSpPr>
+        <p:grpSpPr>
+          <a:xfrm>
+            <a:off x="865591" y="4059523"/>
+            <a:ext cx="3382372" cy="1030699"/>
+            <a:chOff x="2485773" y="1102157"/>
+            <a:chExt cx="3382372" cy="1030699"/>
+          </a:xfrm>
+        </p:grpSpPr>
+        <p:grpSp>
+          <p:nvGrpSpPr>
+            <p:cNvPr id="16" name="组合 15"/>
+            <p:cNvGrpSpPr/>
+            <p:nvPr/>
+          </p:nvGrpSpPr>
+          <p:grpSpPr>
+            <a:xfrm>
+              <a:off x="2485773" y="1102157"/>
+              <a:ext cx="3382372" cy="1030699"/>
+              <a:chOff x="1970697" y="692695"/>
+              <a:chExt cx="4401503" cy="1505849"/>
+            </a:xfrm>
+          </p:grpSpPr>
+          <p:sp>
+            <p:nvSpPr>
+              <p:cNvPr id="8" name="矩形 7"/>
+              <p:cNvSpPr/>
+              <p:nvPr/>
+            </p:nvSpPr>
+            <p:spPr>
+              <a:xfrm>
+                <a:off x="1970697" y="692695"/>
+                <a:ext cx="4401503" cy="720079"/>
+              </a:xfrm>
+              <a:prstGeom prst="rect">
+                <a:avLst/>
+              </a:prstGeom>
+            </p:spPr>
+            <p:style>
+              <a:lnRef idx="2">
+                <a:schemeClr val="dk1"/>
+              </a:lnRef>
+              <a:fillRef idx="1">
+                <a:schemeClr val="lt1"/>
+              </a:fillRef>
+              <a:effectRef idx="0">
+                <a:schemeClr val="dk1"/>
+              </a:effectRef>
+              <a:fontRef idx="minor">
+                <a:schemeClr val="dk1"/>
+              </a:fontRef>
+            </p:style>
+            <p:txBody>
+              <a:bodyPr rtlCol="0" anchor="ctr"/>
+              <a:lstStyle/>
+              <a:p>
+                <a:pPr algn="ctr"/>
+                <a:r>
+                  <a:rPr lang="en-US" altLang="zh-CN" dirty="0" err="1" smtClean="0">
+                    <a:solidFill>
+                      <a:schemeClr val="tx1"/>
+                    </a:solidFill>
+                  </a:rPr>
+                  <a:t>SubmitOrderService</a:t>
+                </a:r>
+                <a:endParaRPr lang="zh-CN" altLang="en-US" dirty="0">
+                  <a:solidFill>
+                    <a:schemeClr val="tx1"/>
+                  </a:solidFill>
+                </a:endParaRPr>
+              </a:p>
+            </p:txBody>
+          </p:sp>
+          <p:sp>
+            <p:nvSpPr>
+              <p:cNvPr id="11" name="矩形 10"/>
+              <p:cNvSpPr/>
+              <p:nvPr/>
+            </p:nvSpPr>
+            <p:spPr>
+              <a:xfrm>
+                <a:off x="1970697" y="1412776"/>
+                <a:ext cx="4401503" cy="785768"/>
+              </a:xfrm>
+              <a:prstGeom prst="rect">
+                <a:avLst/>
+              </a:prstGeom>
+            </p:spPr>
+            <p:style>
+              <a:lnRef idx="2">
+                <a:schemeClr val="dk1"/>
+              </a:lnRef>
+              <a:fillRef idx="1">
+                <a:schemeClr val="lt1"/>
+              </a:fillRef>
+              <a:effectRef idx="0">
+                <a:schemeClr val="dk1"/>
+              </a:effectRef>
+              <a:fontRef idx="minor">
+                <a:schemeClr val="dk1"/>
+              </a:fontRef>
+            </p:style>
+            <p:txBody>
+              <a:bodyPr rtlCol="0" anchor="ctr"/>
+              <a:lstStyle/>
+              <a:p>
+                <a:pPr algn="ctr"/>
+                <a:endParaRPr lang="zh-CN" altLang="en-US"/>
+              </a:p>
+            </p:txBody>
+          </p:sp>
+        </p:grpSp>
+        <p:sp>
+          <p:nvSpPr>
+            <p:cNvPr id="29" name="TextBox 28"/>
+            <p:cNvSpPr txBox="1"/>
+            <p:nvPr/>
+          </p:nvSpPr>
+          <p:spPr>
+            <a:xfrm>
+              <a:off x="2485773" y="1674354"/>
+              <a:ext cx="3248066" cy="379173"/>
+            </a:xfrm>
+            <a:prstGeom prst="rect">
+              <a:avLst/>
+            </a:prstGeom>
+            <a:noFill/>
+          </p:spPr>
+          <p:txBody>
+            <a:bodyPr wrap="square" rtlCol="0">
+              <a:spAutoFit/>
+            </a:bodyPr>
+            <a:lstStyle/>
+            <a:p>
+              <a:r>
+                <a:rPr lang="en-US" altLang="zh-CN" dirty="0" smtClean="0"/>
+                <a:t>+ void </a:t>
+              </a:r>
+              <a:r>
+                <a:rPr lang="en-US" altLang="zh-CN" dirty="0" err="1" smtClean="0"/>
+                <a:t>submitOrder</a:t>
+              </a:r>
+              <a:r>
+                <a:rPr lang="en-US" altLang="zh-CN" dirty="0" smtClean="0"/>
+                <a:t>(Order order)</a:t>
+              </a:r>
+              <a:endParaRPr lang="zh-CN" altLang="en-US" dirty="0"/>
+            </a:p>
+          </p:txBody>
+        </p:sp>
+      </p:grpSp>
+      <p:grpSp>
+        <p:nvGrpSpPr>
+          <p:cNvPr id="5" name="组合 4"/>
+          <p:cNvGrpSpPr/>
+          <p:nvPr/>
+        </p:nvGrpSpPr>
+        <p:grpSpPr>
+          <a:xfrm>
+            <a:off x="809129" y="1445684"/>
+            <a:ext cx="3503133" cy="1861396"/>
+            <a:chOff x="817874" y="3947548"/>
+            <a:chExt cx="3299077" cy="1861396"/>
+          </a:xfrm>
+        </p:grpSpPr>
+        <p:grpSp>
+          <p:nvGrpSpPr>
+            <p:cNvPr id="38" name="组合 37"/>
+            <p:cNvGrpSpPr/>
+            <p:nvPr/>
+          </p:nvGrpSpPr>
+          <p:grpSpPr>
+            <a:xfrm>
+              <a:off x="817874" y="3947548"/>
+              <a:ext cx="3248066" cy="1861396"/>
+              <a:chOff x="1970697" y="338163"/>
+              <a:chExt cx="7645854" cy="1236663"/>
+            </a:xfrm>
+          </p:grpSpPr>
+          <p:sp>
+            <p:nvSpPr>
+              <p:cNvPr id="40" name="矩形 39"/>
+              <p:cNvSpPr/>
+              <p:nvPr/>
+            </p:nvSpPr>
+            <p:spPr>
+              <a:xfrm>
+                <a:off x="1970697" y="692696"/>
+                <a:ext cx="7645849" cy="882130"/>
+              </a:xfrm>
+              <a:prstGeom prst="rect">
+                <a:avLst/>
+              </a:prstGeom>
+            </p:spPr>
+            <p:style>
+              <a:lnRef idx="2">
+                <a:schemeClr val="dk1"/>
+              </a:lnRef>
+              <a:fillRef idx="1">
+                <a:schemeClr val="lt1"/>
+              </a:fillRef>
+              <a:effectRef idx="0">
+                <a:schemeClr val="dk1"/>
+              </a:effectRef>
+              <a:fontRef idx="minor">
+                <a:schemeClr val="dk1"/>
+              </a:fontRef>
+            </p:style>
+            <p:txBody>
+              <a:bodyPr rtlCol="0" anchor="ctr"/>
+              <a:lstStyle/>
+              <a:p>
+                <a:pPr algn="ctr"/>
+                <a:r>
+                  <a:rPr lang="en-US" altLang="zh-CN" dirty="0" smtClean="0"/>
+                  <a:t> </a:t>
+                </a:r>
+                <a:endParaRPr lang="zh-CN" altLang="en-US" dirty="0"/>
+              </a:p>
+            </p:txBody>
+          </p:sp>
+          <p:sp>
+            <p:nvSpPr>
+              <p:cNvPr id="41" name="矩形 40"/>
+              <p:cNvSpPr/>
+              <p:nvPr/>
+            </p:nvSpPr>
+            <p:spPr>
+              <a:xfrm>
+                <a:off x="1970699" y="338163"/>
+                <a:ext cx="7645852" cy="358801"/>
+              </a:xfrm>
+              <a:prstGeom prst="rect">
+                <a:avLst/>
+              </a:prstGeom>
+            </p:spPr>
+            <p:style>
+              <a:lnRef idx="2">
+                <a:schemeClr val="dk1"/>
+              </a:lnRef>
+              <a:fillRef idx="1">
+                <a:schemeClr val="lt1"/>
+              </a:fillRef>
+              <a:effectRef idx="0">
+                <a:schemeClr val="dk1"/>
+              </a:effectRef>
+              <a:fontRef idx="minor">
+                <a:schemeClr val="dk1"/>
+              </a:fontRef>
+            </p:style>
+            <p:txBody>
+              <a:bodyPr rtlCol="0" anchor="ctr"/>
+              <a:lstStyle/>
+              <a:p>
+                <a:pPr algn="ctr"/>
+                <a:r>
+                  <a:rPr lang="en-US" altLang="zh-CN" dirty="0" err="1" smtClean="0"/>
+                  <a:t>OrderService</a:t>
+                </a:r>
+                <a:endParaRPr lang="zh-CN" altLang="en-US" dirty="0">
+                  <a:solidFill>
+                    <a:srgbClr val="FF0000"/>
+                  </a:solidFill>
+                </a:endParaRPr>
+              </a:p>
+            </p:txBody>
+          </p:sp>
+        </p:grpSp>
+        <p:sp>
+          <p:nvSpPr>
+            <p:cNvPr id="28" name="TextBox 27"/>
+            <p:cNvSpPr txBox="1"/>
+            <p:nvPr/>
+          </p:nvSpPr>
+          <p:spPr>
+            <a:xfrm>
+              <a:off x="887972" y="4688660"/>
+              <a:ext cx="3177966" cy="379173"/>
+            </a:xfrm>
+            <a:prstGeom prst="rect">
+              <a:avLst/>
+            </a:prstGeom>
+            <a:noFill/>
+          </p:spPr>
+          <p:txBody>
+            <a:bodyPr wrap="square" rtlCol="0">
+              <a:spAutoFit/>
+            </a:bodyPr>
+            <a:lstStyle/>
+            <a:p>
+              <a:r>
+                <a:rPr lang="en-US" altLang="zh-CN" dirty="0" smtClean="0"/>
+                <a:t>+ void </a:t>
+              </a:r>
+              <a:r>
+                <a:rPr lang="en-US" altLang="zh-CN" dirty="0" err="1" smtClean="0"/>
+                <a:t>addOrder</a:t>
+              </a:r>
+              <a:r>
+                <a:rPr lang="en-US" altLang="zh-CN" dirty="0" smtClean="0"/>
+                <a:t>(Order order)</a:t>
+              </a:r>
+              <a:endParaRPr lang="zh-CN" altLang="en-US" dirty="0"/>
+            </a:p>
+          </p:txBody>
+        </p:sp>
+        <p:sp>
+          <p:nvSpPr>
+            <p:cNvPr id="30" name="TextBox 29"/>
+            <p:cNvSpPr txBox="1"/>
+            <p:nvPr/>
+          </p:nvSpPr>
+          <p:spPr>
+            <a:xfrm>
+              <a:off x="868885" y="5023803"/>
+              <a:ext cx="3248066" cy="379173"/>
+            </a:xfrm>
+            <a:prstGeom prst="rect">
+              <a:avLst/>
+            </a:prstGeom>
+            <a:noFill/>
+          </p:spPr>
+          <p:txBody>
+            <a:bodyPr wrap="square" rtlCol="0">
+              <a:spAutoFit/>
+            </a:bodyPr>
+            <a:lstStyle/>
+            <a:p>
+              <a:r>
+                <a:rPr lang="en-US" altLang="zh-CN" dirty="0" smtClean="0"/>
+                <a:t>+ </a:t>
+              </a:r>
+              <a:r>
+                <a:rPr lang="en-US" altLang="zh-CN" dirty="0"/>
+                <a:t>Order</a:t>
+              </a:r>
+              <a:r>
+                <a:rPr lang="en-US" altLang="zh-CN" dirty="0" smtClean="0"/>
+                <a:t> </a:t>
+              </a:r>
+              <a:r>
+                <a:rPr lang="en-US" altLang="zh-CN" dirty="0" err="1" smtClean="0"/>
+                <a:t>findOrder</a:t>
+              </a:r>
+              <a:r>
+                <a:rPr lang="en-US" altLang="zh-CN" dirty="0" smtClean="0"/>
+                <a:t>(String </a:t>
+              </a:r>
+              <a:r>
+                <a:rPr lang="en-US" altLang="zh-CN" dirty="0" err="1" smtClean="0"/>
+                <a:t>orderId</a:t>
+              </a:r>
+              <a:r>
+                <a:rPr lang="en-US" altLang="zh-CN" dirty="0" smtClean="0"/>
+                <a:t>)</a:t>
+              </a:r>
+              <a:endParaRPr lang="zh-CN" altLang="en-US" dirty="0"/>
+            </a:p>
+          </p:txBody>
+        </p:sp>
+      </p:grpSp>
+      <p:grpSp>
+        <p:nvGrpSpPr>
+          <p:cNvPr id="10" name="组合 9"/>
+          <p:cNvGrpSpPr/>
+          <p:nvPr/>
+        </p:nvGrpSpPr>
+        <p:grpSpPr>
+          <a:xfrm>
+            <a:off x="4998017" y="1462198"/>
+            <a:ext cx="3382372" cy="1030698"/>
+            <a:chOff x="5056583" y="1858211"/>
+            <a:chExt cx="3382372" cy="1030698"/>
+          </a:xfrm>
+        </p:grpSpPr>
+        <p:grpSp>
+          <p:nvGrpSpPr>
+            <p:cNvPr id="33" name="组合 32"/>
+            <p:cNvGrpSpPr/>
+            <p:nvPr/>
+          </p:nvGrpSpPr>
+          <p:grpSpPr>
+            <a:xfrm>
+              <a:off x="5056583" y="1858211"/>
+              <a:ext cx="3382372" cy="1030698"/>
+              <a:chOff x="1970697" y="692696"/>
+              <a:chExt cx="4401503" cy="1505848"/>
+            </a:xfrm>
+          </p:grpSpPr>
+          <p:sp>
+            <p:nvSpPr>
+              <p:cNvPr id="48" name="矩形 47"/>
+              <p:cNvSpPr/>
+              <p:nvPr/>
+            </p:nvSpPr>
+            <p:spPr>
+              <a:xfrm>
+                <a:off x="1970697" y="692696"/>
+                <a:ext cx="4401503" cy="720079"/>
+              </a:xfrm>
+              <a:prstGeom prst="rect">
+                <a:avLst/>
+              </a:prstGeom>
+            </p:spPr>
+            <p:style>
+              <a:lnRef idx="2">
+                <a:schemeClr val="dk1"/>
+              </a:lnRef>
+              <a:fillRef idx="1">
+                <a:schemeClr val="lt1"/>
+              </a:fillRef>
+              <a:effectRef idx="0">
+                <a:schemeClr val="dk1"/>
+              </a:effectRef>
+              <a:fontRef idx="minor">
+                <a:schemeClr val="dk1"/>
+              </a:fontRef>
+            </p:style>
+            <p:txBody>
+              <a:bodyPr rtlCol="0" anchor="ctr"/>
+              <a:lstStyle/>
+              <a:p>
+                <a:pPr algn="ctr"/>
+                <a:r>
+                  <a:rPr lang="en-US" altLang="zh-CN" dirty="0" err="1" smtClean="0">
+                    <a:solidFill>
+                      <a:schemeClr val="tx1"/>
+                    </a:solidFill>
+                  </a:rPr>
+                  <a:t>OrderManager</a:t>
+                </a:r>
+                <a:endParaRPr lang="zh-CN" altLang="en-US" dirty="0">
+                  <a:solidFill>
+                    <a:schemeClr val="tx1"/>
+                  </a:solidFill>
+                </a:endParaRPr>
+              </a:p>
+            </p:txBody>
+          </p:sp>
+          <p:sp>
+            <p:nvSpPr>
+              <p:cNvPr id="49" name="矩形 48"/>
+              <p:cNvSpPr/>
+              <p:nvPr/>
+            </p:nvSpPr>
+            <p:spPr>
+              <a:xfrm>
+                <a:off x="1970697" y="1412776"/>
+                <a:ext cx="4401503" cy="785768"/>
+              </a:xfrm>
+              <a:prstGeom prst="rect">
+                <a:avLst/>
+              </a:prstGeom>
+            </p:spPr>
+            <p:style>
+              <a:lnRef idx="2">
+                <a:schemeClr val="dk1"/>
+              </a:lnRef>
+              <a:fillRef idx="1">
+                <a:schemeClr val="lt1"/>
+              </a:fillRef>
+              <a:effectRef idx="0">
+                <a:schemeClr val="dk1"/>
+              </a:effectRef>
+              <a:fontRef idx="minor">
+                <a:schemeClr val="dk1"/>
+              </a:fontRef>
+            </p:style>
+            <p:txBody>
+              <a:bodyPr rtlCol="0" anchor="ctr"/>
+              <a:lstStyle/>
+              <a:p>
+                <a:pPr algn="ctr"/>
+                <a:endParaRPr lang="zh-CN" altLang="en-US"/>
+              </a:p>
+            </p:txBody>
+          </p:sp>
+        </p:grpSp>
+        <p:sp>
+          <p:nvSpPr>
+            <p:cNvPr id="7" name="矩形 6"/>
+            <p:cNvSpPr/>
+            <p:nvPr/>
+          </p:nvSpPr>
+          <p:spPr>
+            <a:xfrm>
+              <a:off x="5056583" y="2351079"/>
+              <a:ext cx="3382372" cy="268915"/>
+            </a:xfrm>
+            <a:prstGeom prst="rect">
+              <a:avLst/>
+            </a:prstGeom>
+          </p:spPr>
+          <p:style>
+            <a:lnRef idx="2">
+              <a:schemeClr val="dk1"/>
+            </a:lnRef>
+            <a:fillRef idx="1">
+              <a:schemeClr val="lt1"/>
+            </a:fillRef>
+            <a:effectRef idx="0">
+              <a:schemeClr val="dk1"/>
+            </a:effectRef>
+            <a:fontRef idx="minor">
+              <a:schemeClr val="dk1"/>
+            </a:fontRef>
+          </p:style>
+          <p:txBody>
+            <a:bodyPr rtlCol="0" anchor="ctr"/>
+            <a:lstStyle/>
+            <a:p>
+              <a:pPr algn="ctr"/>
+              <a:endParaRPr lang="zh-CN" altLang="en-US"/>
+            </a:p>
+          </p:txBody>
+        </p:sp>
+      </p:grpSp>
+      <p:grpSp>
+        <p:nvGrpSpPr>
+          <p:cNvPr id="50" name="组合 49"/>
+          <p:cNvGrpSpPr/>
+          <p:nvPr/>
+        </p:nvGrpSpPr>
+        <p:grpSpPr>
+          <a:xfrm>
+            <a:off x="5056583" y="4054486"/>
+            <a:ext cx="3382372" cy="1030698"/>
+            <a:chOff x="5056583" y="1858211"/>
+            <a:chExt cx="3382372" cy="1030698"/>
+          </a:xfrm>
+        </p:grpSpPr>
+        <p:grpSp>
+          <p:nvGrpSpPr>
+            <p:cNvPr id="51" name="组合 50"/>
+            <p:cNvGrpSpPr/>
+            <p:nvPr/>
+          </p:nvGrpSpPr>
+          <p:grpSpPr>
+            <a:xfrm>
+              <a:off x="5056583" y="1858211"/>
+              <a:ext cx="3382372" cy="1030698"/>
+              <a:chOff x="1970697" y="692696"/>
+              <a:chExt cx="4401503" cy="1505848"/>
+            </a:xfrm>
+          </p:grpSpPr>
+          <p:sp>
+            <p:nvSpPr>
+              <p:cNvPr id="53" name="矩形 52"/>
+              <p:cNvSpPr/>
+              <p:nvPr/>
+            </p:nvSpPr>
+            <p:spPr>
+              <a:xfrm>
+                <a:off x="1970697" y="692696"/>
+                <a:ext cx="4401503" cy="720079"/>
+              </a:xfrm>
+              <a:prstGeom prst="rect">
+                <a:avLst/>
+              </a:prstGeom>
+            </p:spPr>
+            <p:style>
+              <a:lnRef idx="2">
+                <a:schemeClr val="dk1"/>
+              </a:lnRef>
+              <a:fillRef idx="1">
+                <a:schemeClr val="lt1"/>
+              </a:fillRef>
+              <a:effectRef idx="0">
+                <a:schemeClr val="dk1"/>
+              </a:effectRef>
+              <a:fontRef idx="minor">
+                <a:schemeClr val="dk1"/>
+              </a:fontRef>
+            </p:style>
+            <p:txBody>
+              <a:bodyPr rtlCol="0" anchor="ctr"/>
+              <a:lstStyle/>
+              <a:p>
+                <a:pPr algn="ctr"/>
+                <a:r>
+                  <a:rPr lang="en-US" altLang="zh-CN" dirty="0" smtClean="0">
+                    <a:solidFill>
+                      <a:schemeClr val="tx1"/>
+                    </a:solidFill>
+                  </a:rPr>
+                  <a:t>Web</a:t>
+                </a:r>
+                <a:endParaRPr lang="zh-CN" altLang="en-US" dirty="0">
+                  <a:solidFill>
+                    <a:schemeClr val="tx1"/>
+                  </a:solidFill>
+                </a:endParaRPr>
+              </a:p>
+            </p:txBody>
+          </p:sp>
+          <p:sp>
+            <p:nvSpPr>
+              <p:cNvPr id="54" name="矩形 53"/>
+              <p:cNvSpPr/>
+              <p:nvPr/>
+            </p:nvSpPr>
+            <p:spPr>
+              <a:xfrm>
+                <a:off x="1970697" y="1412776"/>
+                <a:ext cx="4401503" cy="785768"/>
+              </a:xfrm>
+              <a:prstGeom prst="rect">
+                <a:avLst/>
+              </a:prstGeom>
+            </p:spPr>
+            <p:style>
+              <a:lnRef idx="2">
+                <a:schemeClr val="dk1"/>
+              </a:lnRef>
+              <a:fillRef idx="1">
+                <a:schemeClr val="lt1"/>
+              </a:fillRef>
+              <a:effectRef idx="0">
+                <a:schemeClr val="dk1"/>
+              </a:effectRef>
+              <a:fontRef idx="minor">
+                <a:schemeClr val="dk1"/>
+              </a:fontRef>
+            </p:style>
+            <p:txBody>
+              <a:bodyPr rtlCol="0" anchor="ctr"/>
+              <a:lstStyle/>
+              <a:p>
+                <a:pPr algn="ctr"/>
+                <a:endParaRPr lang="zh-CN" altLang="en-US"/>
+              </a:p>
+            </p:txBody>
+          </p:sp>
+        </p:grpSp>
+        <p:sp>
+          <p:nvSpPr>
+            <p:cNvPr id="52" name="矩形 51"/>
+            <p:cNvSpPr/>
+            <p:nvPr/>
+          </p:nvSpPr>
+          <p:spPr>
+            <a:xfrm>
+              <a:off x="5056583" y="2351079"/>
+              <a:ext cx="3382372" cy="268915"/>
+            </a:xfrm>
+            <a:prstGeom prst="rect">
+              <a:avLst/>
+            </a:prstGeom>
+          </p:spPr>
+          <p:style>
+            <a:lnRef idx="2">
+              <a:schemeClr val="dk1"/>
+            </a:lnRef>
+            <a:fillRef idx="1">
+              <a:schemeClr val="lt1"/>
+            </a:fillRef>
+            <a:effectRef idx="0">
+              <a:schemeClr val="dk1"/>
+            </a:effectRef>
+            <a:fontRef idx="minor">
+              <a:schemeClr val="dk1"/>
+            </a:fontRef>
+          </p:style>
+          <p:txBody>
+            <a:bodyPr rtlCol="0" anchor="ctr"/>
+            <a:lstStyle/>
+            <a:p>
+              <a:pPr algn="ctr"/>
+              <a:endParaRPr lang="zh-CN" altLang="en-US"/>
+            </a:p>
+          </p:txBody>
+        </p:sp>
+      </p:grpSp>
+      <p:cxnSp>
+        <p:nvCxnSpPr>
+          <p:cNvPr id="9" name="直接箭头连接符 8"/>
+          <p:cNvCxnSpPr>
+            <a:stCxn id="48" idx="1"/>
+            <a:endCxn id="41" idx="3"/>
+          </p:cNvCxnSpPr>
+          <p:nvPr/>
+        </p:nvCxnSpPr>
+        <p:spPr>
+          <a:xfrm flipH="1">
+            <a:off x="4258096" y="1708632"/>
+            <a:ext cx="739921" cy="7082"/>
+          </a:xfrm>
+          <a:prstGeom prst="straightConnector1">
+            <a:avLst/>
+          </a:prstGeom>
+          <a:ln>
+            <a:tailEnd type="arrow"/>
+          </a:ln>
+        </p:spPr>
+        <p:style>
+          <a:lnRef idx="1">
+            <a:schemeClr val="accent1"/>
+          </a:lnRef>
+          <a:fillRef idx="0">
+            <a:schemeClr val="accent1"/>
+          </a:fillRef>
+          <a:effectRef idx="0">
+            <a:schemeClr val="accent1"/>
+          </a:effectRef>
+          <a:fontRef idx="minor">
+            <a:schemeClr val="tx1"/>
+          </a:fontRef>
+        </p:style>
+      </p:cxnSp>
+      <p:cxnSp>
+        <p:nvCxnSpPr>
+          <p:cNvPr id="23" name="肘形连接符 22"/>
+          <p:cNvCxnSpPr>
+            <a:stCxn id="53" idx="0"/>
+          </p:cNvCxnSpPr>
+          <p:nvPr/>
+        </p:nvCxnSpPr>
+        <p:spPr>
+          <a:xfrm rot="16200000" flipV="1">
+            <a:off x="4904418" y="2211134"/>
+            <a:ext cx="1197030" cy="2489673"/>
+          </a:xfrm>
+          <a:prstGeom prst="bentConnector2">
+            <a:avLst/>
+          </a:prstGeom>
+          <a:ln>
+            <a:tailEnd type="arrow"/>
+          </a:ln>
+        </p:spPr>
+        <p:style>
+          <a:lnRef idx="1">
+            <a:schemeClr val="accent1"/>
+          </a:lnRef>
+          <a:fillRef idx="0">
+            <a:schemeClr val="accent1"/>
+          </a:fillRef>
+          <a:effectRef idx="0">
+            <a:schemeClr val="accent1"/>
+          </a:effectRef>
+          <a:fontRef idx="minor">
+            <a:schemeClr val="tx1"/>
+          </a:fontRef>
+        </p:style>
+      </p:cxnSp>
+      <p:cxnSp>
+        <p:nvCxnSpPr>
+          <p:cNvPr id="31" name="直接箭头连接符 30"/>
+          <p:cNvCxnSpPr>
+            <a:stCxn id="53" idx="1"/>
+            <a:endCxn id="8" idx="3"/>
+          </p:cNvCxnSpPr>
+          <p:nvPr/>
+        </p:nvCxnSpPr>
+        <p:spPr>
+          <a:xfrm flipH="1">
+            <a:off x="4247963" y="4300920"/>
+            <a:ext cx="808620" cy="5037"/>
+          </a:xfrm>
+          <a:prstGeom prst="straightConnector1">
+            <a:avLst/>
+          </a:prstGeom>
+          <a:ln>
+            <a:tailEnd type="arrow"/>
+          </a:ln>
+        </p:spPr>
+        <p:style>
+          <a:lnRef idx="1">
+            <a:schemeClr val="accent1"/>
+          </a:lnRef>
+          <a:fillRef idx="0">
+            <a:schemeClr val="accent1"/>
+          </a:fillRef>
+          <a:effectRef idx="0">
+            <a:schemeClr val="accent1"/>
+          </a:effectRef>
+          <a:fontRef idx="minor">
+            <a:schemeClr val="tx1"/>
+          </a:fontRef>
+        </p:style>
+      </p:cxnSp>
+    </p:spTree>
+    <p:extLst>
+      <p:ext uri="{BB962C8B-B14F-4D97-AF65-F5344CB8AC3E}">
+        <p14:creationId xmlns:p14="http://schemas.microsoft.com/office/powerpoint/2010/main" val="1637087170"/>
+      </p:ext>
+    </p:extLst>
+  </p:cSld>
+  <p:clrMapOvr>
+    <a:masterClrMapping/>
+  </p:clrMapOvr>
+  <p:timing>
+    <p:tnLst>
+      <p:par>
+        <p:cTn id="1" dur="indefinite" restart="never" nodeType="tmRoot"/>
+      </p:par>
+    </p:tnLst>
+  </p:timing>
+</p:sld>
+</file>
+
 <file path=ppt/theme/theme1.xml><?xml version="1.0" encoding="utf-8"?>
 <a:theme xmlns:a="http://schemas.openxmlformats.org/drawingml/2006/main" name="Office 主题">
   <a:themeElements>

--- a/img/可编辑图片.pptx
+++ b/img/可编辑图片.pptx
@@ -11,6 +11,7 @@
     <p:sldId id="259" r:id="rId5"/>
     <p:sldId id="260" r:id="rId6"/>
     <p:sldId id="261" r:id="rId7"/>
+    <p:sldId id="263" r:id="rId8"/>
   </p:sldIdLst>
   <p:sldSz cx="9144000" cy="6858000" type="screen4x3"/>
   <p:notesSz cx="6858000" cy="9144000"/>
@@ -109,6 +110,22 @@
       </a:defRPr>
     </a:lvl9pPr>
   </p:defaultTextStyle>
+  <p:extLst>
+    <p:ext uri="{EFAFB233-063F-42B5-8137-9DF3F51BA10A}">
+      <p15:sldGuideLst xmlns:p15="http://schemas.microsoft.com/office/powerpoint/2012/main">
+        <p15:guide id="1" orient="horz" pos="2160">
+          <p15:clr>
+            <a:srgbClr val="A4A3A4"/>
+          </p15:clr>
+        </p15:guide>
+        <p15:guide id="2" pos="2880">
+          <p15:clr>
+            <a:srgbClr val="A4A3A4"/>
+          </p15:clr>
+        </p15:guide>
+      </p15:sldGuideLst>
+    </p:ext>
+  </p:extLst>
 </p:presentation>
 </file>
 
@@ -293,7 +310,7 @@
           <a:p>
             <a:fld id="{530820CF-B880-4189-942D-D702A7CBA730}" type="datetimeFigureOut">
               <a:rPr lang="zh-CN" altLang="en-US" smtClean="0"/>
-              <a:t>2019/5/24</a:t>
+              <a:t>2019/9/2</a:t>
             </a:fld>
             <a:endParaRPr lang="zh-CN" altLang="en-US"/>
           </a:p>
@@ -458,7 +475,7 @@
           <a:p>
             <a:fld id="{530820CF-B880-4189-942D-D702A7CBA730}" type="datetimeFigureOut">
               <a:rPr lang="zh-CN" altLang="en-US" smtClean="0"/>
-              <a:t>2019/5/24</a:t>
+              <a:t>2019/9/2</a:t>
             </a:fld>
             <a:endParaRPr lang="zh-CN" altLang="en-US"/>
           </a:p>
@@ -633,7 +650,7 @@
           <a:p>
             <a:fld id="{530820CF-B880-4189-942D-D702A7CBA730}" type="datetimeFigureOut">
               <a:rPr lang="zh-CN" altLang="en-US" smtClean="0"/>
-              <a:t>2019/5/24</a:t>
+              <a:t>2019/9/2</a:t>
             </a:fld>
             <a:endParaRPr lang="zh-CN" altLang="en-US"/>
           </a:p>
@@ -798,7 +815,7 @@
           <a:p>
             <a:fld id="{530820CF-B880-4189-942D-D702A7CBA730}" type="datetimeFigureOut">
               <a:rPr lang="zh-CN" altLang="en-US" smtClean="0"/>
-              <a:t>2019/5/24</a:t>
+              <a:t>2019/9/2</a:t>
             </a:fld>
             <a:endParaRPr lang="zh-CN" altLang="en-US"/>
           </a:p>
@@ -1039,7 +1056,7 @@
           <a:p>
             <a:fld id="{530820CF-B880-4189-942D-D702A7CBA730}" type="datetimeFigureOut">
               <a:rPr lang="zh-CN" altLang="en-US" smtClean="0"/>
-              <a:t>2019/5/24</a:t>
+              <a:t>2019/9/2</a:t>
             </a:fld>
             <a:endParaRPr lang="zh-CN" altLang="en-US"/>
           </a:p>
@@ -1322,7 +1339,7 @@
           <a:p>
             <a:fld id="{530820CF-B880-4189-942D-D702A7CBA730}" type="datetimeFigureOut">
               <a:rPr lang="zh-CN" altLang="en-US" smtClean="0"/>
-              <a:t>2019/5/24</a:t>
+              <a:t>2019/9/2</a:t>
             </a:fld>
             <a:endParaRPr lang="zh-CN" altLang="en-US"/>
           </a:p>
@@ -1739,7 +1756,7 @@
           <a:p>
             <a:fld id="{530820CF-B880-4189-942D-D702A7CBA730}" type="datetimeFigureOut">
               <a:rPr lang="zh-CN" altLang="en-US" smtClean="0"/>
-              <a:t>2019/5/24</a:t>
+              <a:t>2019/9/2</a:t>
             </a:fld>
             <a:endParaRPr lang="zh-CN" altLang="en-US"/>
           </a:p>
@@ -1852,7 +1869,7 @@
           <a:p>
             <a:fld id="{530820CF-B880-4189-942D-D702A7CBA730}" type="datetimeFigureOut">
               <a:rPr lang="zh-CN" altLang="en-US" smtClean="0"/>
-              <a:t>2019/5/24</a:t>
+              <a:t>2019/9/2</a:t>
             </a:fld>
             <a:endParaRPr lang="zh-CN" altLang="en-US"/>
           </a:p>
@@ -1942,7 +1959,7 @@
           <a:p>
             <a:fld id="{530820CF-B880-4189-942D-D702A7CBA730}" type="datetimeFigureOut">
               <a:rPr lang="zh-CN" altLang="en-US" smtClean="0"/>
-              <a:t>2019/5/24</a:t>
+              <a:t>2019/9/2</a:t>
             </a:fld>
             <a:endParaRPr lang="zh-CN" altLang="en-US"/>
           </a:p>
@@ -2214,7 +2231,7 @@
           <a:p>
             <a:fld id="{530820CF-B880-4189-942D-D702A7CBA730}" type="datetimeFigureOut">
               <a:rPr lang="zh-CN" altLang="en-US" smtClean="0"/>
-              <a:t>2019/5/24</a:t>
+              <a:t>2019/9/2</a:t>
             </a:fld>
             <a:endParaRPr lang="zh-CN" altLang="en-US"/>
           </a:p>
@@ -2462,7 +2479,7 @@
           <a:p>
             <a:fld id="{530820CF-B880-4189-942D-D702A7CBA730}" type="datetimeFigureOut">
               <a:rPr lang="zh-CN" altLang="en-US" smtClean="0"/>
-              <a:t>2019/5/24</a:t>
+              <a:t>2019/9/2</a:t>
             </a:fld>
             <a:endParaRPr lang="zh-CN" altLang="en-US"/>
           </a:p>
@@ -2670,7 +2687,7 @@
           <a:p>
             <a:fld id="{530820CF-B880-4189-942D-D702A7CBA730}" type="datetimeFigureOut">
               <a:rPr lang="zh-CN" altLang="en-US" smtClean="0"/>
-              <a:t>2019/5/24</a:t>
+              <a:t>2019/9/2</a:t>
             </a:fld>
             <a:endParaRPr lang="zh-CN" altLang="en-US"/>
           </a:p>
@@ -7456,6 +7473,473 @@
 </p:sld>
 </file>
 
+<file path=ppt/slides/slide7.xml><?xml version="1.0" encoding="utf-8"?>
+<p:sld xmlns:a="http://schemas.openxmlformats.org/drawingml/2006/main" xmlns:r="http://schemas.openxmlformats.org/officeDocument/2006/relationships" xmlns:p="http://schemas.openxmlformats.org/presentationml/2006/main">
+  <p:cSld>
+    <p:spTree>
+      <p:nvGrpSpPr>
+        <p:cNvPr id="1" name=""/>
+        <p:cNvGrpSpPr/>
+        <p:nvPr/>
+      </p:nvGrpSpPr>
+      <p:grpSpPr>
+        <a:xfrm>
+          <a:off x="0" y="0"/>
+          <a:ext cx="0" cy="0"/>
+          <a:chOff x="0" y="0"/>
+          <a:chExt cx="0" cy="0"/>
+        </a:xfrm>
+      </p:grpSpPr>
+      <p:sp>
+        <p:nvSpPr>
+          <p:cNvPr id="26" name="TextBox 25"/>
+          <p:cNvSpPr txBox="1"/>
+          <p:nvPr/>
+        </p:nvSpPr>
+        <p:spPr>
+          <a:xfrm>
+            <a:off x="467544" y="476672"/>
+            <a:ext cx="7560840" cy="369332"/>
+          </a:xfrm>
+          <a:prstGeom prst="rect">
+            <a:avLst/>
+          </a:prstGeom>
+          <a:noFill/>
+        </p:spPr>
+        <p:txBody>
+          <a:bodyPr wrap="square" rtlCol="0">
+            <a:spAutoFit/>
+          </a:bodyPr>
+          <a:lstStyle/>
+          <a:p>
+            <a:r>
+              <a:rPr lang="zh-CN" altLang="en-US" dirty="0" smtClean="0"/>
+              <a:t>设</a:t>
+            </a:r>
+            <a:r>
+              <a:rPr lang="zh-CN" altLang="en-US" dirty="0" smtClean="0"/>
+              <a:t>计</a:t>
+            </a:r>
+            <a:r>
+              <a:rPr lang="zh-CN" altLang="en-US" dirty="0"/>
+              <a:t>模式</a:t>
+            </a:r>
+            <a:r>
+              <a:rPr lang="zh-CN" altLang="en-US" dirty="0" smtClean="0"/>
+              <a:t>：单例模式</a:t>
+            </a:r>
+            <a:endParaRPr lang="zh-CN" altLang="en-US" dirty="0"/>
+          </a:p>
+        </p:txBody>
+      </p:sp>
+      <p:sp>
+        <p:nvSpPr>
+          <p:cNvPr id="27" name="TextBox 26"/>
+          <p:cNvSpPr txBox="1"/>
+          <p:nvPr/>
+        </p:nvSpPr>
+        <p:spPr>
+          <a:xfrm>
+            <a:off x="3698381" y="6035915"/>
+            <a:ext cx="1399742" cy="369332"/>
+          </a:xfrm>
+          <a:prstGeom prst="rect">
+            <a:avLst/>
+          </a:prstGeom>
+          <a:noFill/>
+        </p:spPr>
+        <p:txBody>
+          <a:bodyPr wrap="none" rtlCol="0">
+            <a:spAutoFit/>
+          </a:bodyPr>
+          <a:lstStyle/>
+          <a:p>
+            <a:r>
+              <a:rPr lang="en-US" altLang="zh-CN" dirty="0" smtClean="0"/>
+              <a:t>3.1</a:t>
+            </a:r>
+            <a:r>
+              <a:rPr lang="zh-CN" altLang="en-US" dirty="0" smtClean="0"/>
+              <a:t>单例模式</a:t>
+            </a:r>
+            <a:endParaRPr lang="zh-CN" altLang="en-US" dirty="0"/>
+          </a:p>
+        </p:txBody>
+      </p:sp>
+      <p:grpSp>
+        <p:nvGrpSpPr>
+          <p:cNvPr id="13" name="组合 12"/>
+          <p:cNvGrpSpPr/>
+          <p:nvPr/>
+        </p:nvGrpSpPr>
+        <p:grpSpPr>
+          <a:xfrm>
+            <a:off x="2050345" y="2144815"/>
+            <a:ext cx="4695813" cy="2592288"/>
+            <a:chOff x="2612491" y="2060848"/>
+            <a:chExt cx="4695813" cy="2592288"/>
+          </a:xfrm>
+        </p:grpSpPr>
+        <p:grpSp>
+          <p:nvGrpSpPr>
+            <p:cNvPr id="12" name="组合 11"/>
+            <p:cNvGrpSpPr/>
+            <p:nvPr/>
+          </p:nvGrpSpPr>
+          <p:grpSpPr>
+            <a:xfrm>
+              <a:off x="2622763" y="2060848"/>
+              <a:ext cx="4685541" cy="2592288"/>
+              <a:chOff x="2622763" y="2060848"/>
+              <a:chExt cx="4685541" cy="2592288"/>
+            </a:xfrm>
+          </p:grpSpPr>
+          <p:grpSp>
+            <p:nvGrpSpPr>
+              <p:cNvPr id="6" name="组合 5"/>
+              <p:cNvGrpSpPr/>
+              <p:nvPr/>
+            </p:nvGrpSpPr>
+            <p:grpSpPr>
+              <a:xfrm>
+                <a:off x="2622763" y="2060848"/>
+                <a:ext cx="4685541" cy="2592288"/>
+                <a:chOff x="2622763" y="2060848"/>
+                <a:chExt cx="4685541" cy="2592288"/>
+              </a:xfrm>
+            </p:grpSpPr>
+            <p:grpSp>
+              <p:nvGrpSpPr>
+                <p:cNvPr id="38" name="组合 37"/>
+                <p:cNvGrpSpPr/>
+                <p:nvPr/>
+              </p:nvGrpSpPr>
+              <p:grpSpPr>
+                <a:xfrm>
+                  <a:off x="2646685" y="2060848"/>
+                  <a:ext cx="4661619" cy="2592288"/>
+                  <a:chOff x="1970697" y="338163"/>
+                  <a:chExt cx="7645854" cy="1236663"/>
+                </a:xfrm>
+              </p:grpSpPr>
+              <p:sp>
+                <p:nvSpPr>
+                  <p:cNvPr id="40" name="矩形 39"/>
+                  <p:cNvSpPr/>
+                  <p:nvPr/>
+                </p:nvSpPr>
+                <p:spPr>
+                  <a:xfrm>
+                    <a:off x="1970697" y="692696"/>
+                    <a:ext cx="7645849" cy="882130"/>
+                  </a:xfrm>
+                  <a:prstGeom prst="rect">
+                    <a:avLst/>
+                  </a:prstGeom>
+                </p:spPr>
+                <p:style>
+                  <a:lnRef idx="2">
+                    <a:schemeClr val="dk1"/>
+                  </a:lnRef>
+                  <a:fillRef idx="1">
+                    <a:schemeClr val="lt1"/>
+                  </a:fillRef>
+                  <a:effectRef idx="0">
+                    <a:schemeClr val="dk1"/>
+                  </a:effectRef>
+                  <a:fontRef idx="minor">
+                    <a:schemeClr val="dk1"/>
+                  </a:fontRef>
+                </p:style>
+                <p:txBody>
+                  <a:bodyPr rtlCol="0" anchor="ctr"/>
+                  <a:lstStyle/>
+                  <a:p>
+                    <a:pPr algn="ctr"/>
+                    <a:r>
+                      <a:rPr lang="en-US" altLang="zh-CN" dirty="0" smtClean="0"/>
+                      <a:t> </a:t>
+                    </a:r>
+                    <a:endParaRPr lang="zh-CN" altLang="en-US" dirty="0"/>
+                  </a:p>
+                </p:txBody>
+              </p:sp>
+              <p:sp>
+                <p:nvSpPr>
+                  <p:cNvPr id="41" name="矩形 40"/>
+                  <p:cNvSpPr/>
+                  <p:nvPr/>
+                </p:nvSpPr>
+                <p:spPr>
+                  <a:xfrm>
+                    <a:off x="1970699" y="338163"/>
+                    <a:ext cx="7645852" cy="358801"/>
+                  </a:xfrm>
+                  <a:prstGeom prst="rect">
+                    <a:avLst/>
+                  </a:prstGeom>
+                </p:spPr>
+                <p:style>
+                  <a:lnRef idx="2">
+                    <a:schemeClr val="dk1"/>
+                  </a:lnRef>
+                  <a:fillRef idx="1">
+                    <a:schemeClr val="lt1"/>
+                  </a:fillRef>
+                  <a:effectRef idx="0">
+                    <a:schemeClr val="dk1"/>
+                  </a:effectRef>
+                  <a:fontRef idx="minor">
+                    <a:schemeClr val="dk1"/>
+                  </a:fontRef>
+                </p:style>
+                <p:txBody>
+                  <a:bodyPr rtlCol="0" anchor="ctr"/>
+                  <a:lstStyle/>
+                  <a:p>
+                    <a:pPr algn="ctr"/>
+                    <a:r>
+                      <a:rPr lang="en-US" altLang="zh-CN" dirty="0"/>
+                      <a:t>Singleton</a:t>
+                    </a:r>
+                    <a:endParaRPr lang="zh-CN" altLang="en-US" dirty="0">
+                      <a:solidFill>
+                        <a:srgbClr val="FF0000"/>
+                      </a:solidFill>
+                    </a:endParaRPr>
+                  </a:p>
+                </p:txBody>
+              </p:sp>
+            </p:grpSp>
+            <p:sp>
+              <p:nvSpPr>
+                <p:cNvPr id="28" name="TextBox 27"/>
+                <p:cNvSpPr txBox="1"/>
+                <p:nvPr/>
+              </p:nvSpPr>
+              <p:spPr>
+                <a:xfrm>
+                  <a:off x="2642127" y="3479973"/>
+                  <a:ext cx="3374531" cy="379173"/>
+                </a:xfrm>
+                <a:prstGeom prst="rect">
+                  <a:avLst/>
+                </a:prstGeom>
+                <a:noFill/>
+              </p:spPr>
+              <p:txBody>
+                <a:bodyPr wrap="square" rtlCol="0">
+                  <a:spAutoFit/>
+                </a:bodyPr>
+                <a:lstStyle/>
+                <a:p>
+                  <a:r>
+                    <a:rPr lang="en-US" altLang="zh-CN" dirty="0"/>
+                    <a:t>- </a:t>
+                  </a:r>
+                  <a:r>
+                    <a:rPr lang="en-US" altLang="zh-CN" dirty="0" smtClean="0"/>
+                    <a:t>Singleton(</a:t>
+                  </a:r>
+                  <a:r>
+                    <a:rPr lang="en-US" altLang="zh-CN" dirty="0" smtClean="0"/>
+                    <a:t>)</a:t>
+                  </a:r>
+                  <a:endParaRPr lang="zh-CN" altLang="en-US" dirty="0"/>
+                </a:p>
+              </p:txBody>
+            </p:sp>
+            <p:sp>
+              <p:nvSpPr>
+                <p:cNvPr id="30" name="TextBox 29"/>
+                <p:cNvSpPr txBox="1"/>
+                <p:nvPr/>
+              </p:nvSpPr>
+              <p:spPr>
+                <a:xfrm>
+                  <a:off x="2622763" y="3821201"/>
+                  <a:ext cx="3393895" cy="369332"/>
+                </a:xfrm>
+                <a:prstGeom prst="rect">
+                  <a:avLst/>
+                </a:prstGeom>
+                <a:noFill/>
+              </p:spPr>
+              <p:txBody>
+                <a:bodyPr wrap="square" rtlCol="0">
+                  <a:spAutoFit/>
+                </a:bodyPr>
+                <a:lstStyle/>
+                <a:p>
+                  <a:r>
+                    <a:rPr lang="en-US" altLang="zh-CN" dirty="0" smtClean="0"/>
+                    <a:t>+ </a:t>
+                  </a:r>
+                  <a:r>
+                    <a:rPr lang="en-US" altLang="zh-CN" dirty="0" smtClean="0"/>
+                    <a:t>Singleton </a:t>
+                  </a:r>
+                  <a:r>
+                    <a:rPr lang="en-US" altLang="zh-CN" dirty="0" err="1" smtClean="0"/>
+                    <a:t>getSingleton</a:t>
+                  </a:r>
+                  <a:r>
+                    <a:rPr lang="en-US" altLang="zh-CN" dirty="0" smtClean="0"/>
+                    <a:t>(</a:t>
+                  </a:r>
+                  <a:r>
+                    <a:rPr lang="en-US" altLang="zh-CN" dirty="0" smtClean="0"/>
+                    <a:t>)</a:t>
+                  </a:r>
+                  <a:endParaRPr lang="zh-CN" altLang="en-US" dirty="0"/>
+                </a:p>
+              </p:txBody>
+            </p:sp>
+          </p:grpSp>
+          <p:sp>
+            <p:nvSpPr>
+              <p:cNvPr id="4" name="矩形 3"/>
+              <p:cNvSpPr/>
+              <p:nvPr/>
+            </p:nvSpPr>
+            <p:spPr>
+              <a:xfrm>
+                <a:off x="2646686" y="2780928"/>
+                <a:ext cx="4661616" cy="648072"/>
+              </a:xfrm>
+              <a:prstGeom prst="rect">
+                <a:avLst/>
+              </a:prstGeom>
+            </p:spPr>
+            <p:style>
+              <a:lnRef idx="2">
+                <a:schemeClr val="dk1"/>
+              </a:lnRef>
+              <a:fillRef idx="1">
+                <a:schemeClr val="lt1"/>
+              </a:fillRef>
+              <a:effectRef idx="0">
+                <a:schemeClr val="dk1"/>
+              </a:effectRef>
+              <a:fontRef idx="minor">
+                <a:schemeClr val="dk1"/>
+              </a:fontRef>
+            </p:style>
+            <p:txBody>
+              <a:bodyPr rtlCol="0" anchor="ctr"/>
+              <a:lstStyle/>
+              <a:p>
+                <a:pPr algn="ctr"/>
+                <a:endParaRPr lang="zh-CN" altLang="en-US">
+                  <a:ln w="0"/>
+                  <a:solidFill>
+                    <a:schemeClr val="tx1"/>
+                  </a:solidFill>
+                  <a:effectLst>
+                    <a:outerShdw blurRad="38100" dist="19050" dir="2700000" algn="tl" rotWithShape="0">
+                      <a:schemeClr val="dk1">
+                        <a:alpha val="40000"/>
+                      </a:schemeClr>
+                    </a:outerShdw>
+                  </a:effectLst>
+                </a:endParaRPr>
+              </a:p>
+            </p:txBody>
+          </p:sp>
+          <p:sp>
+            <p:nvSpPr>
+              <p:cNvPr id="32" name="TextBox 29"/>
+              <p:cNvSpPr txBox="1"/>
+              <p:nvPr/>
+            </p:nvSpPr>
+            <p:spPr>
+              <a:xfrm>
+                <a:off x="2642127" y="2891005"/>
+                <a:ext cx="3374531" cy="369332"/>
+              </a:xfrm>
+              <a:prstGeom prst="rect">
+                <a:avLst/>
+              </a:prstGeom>
+              <a:noFill/>
+            </p:spPr>
+            <p:txBody>
+              <a:bodyPr wrap="square" rtlCol="0">
+                <a:spAutoFit/>
+              </a:bodyPr>
+              <a:lstStyle/>
+              <a:p>
+                <a:r>
+                  <a:rPr lang="en-US" altLang="zh-CN" dirty="0" smtClean="0"/>
+                  <a:t>- </a:t>
+                </a:r>
+                <a:r>
+                  <a:rPr lang="en-US" altLang="zh-CN" dirty="0" smtClean="0"/>
+                  <a:t>Singleton self</a:t>
+                </a:r>
+                <a:endParaRPr lang="zh-CN" altLang="en-US" dirty="0"/>
+              </a:p>
+            </p:txBody>
+          </p:sp>
+        </p:grpSp>
+        <p:sp>
+          <p:nvSpPr>
+            <p:cNvPr id="34" name="TextBox 29"/>
+            <p:cNvSpPr txBox="1"/>
+            <p:nvPr/>
+          </p:nvSpPr>
+          <p:spPr>
+            <a:xfrm>
+              <a:off x="2612491" y="4201596"/>
+              <a:ext cx="4633411" cy="369332"/>
+            </a:xfrm>
+            <a:prstGeom prst="rect">
+              <a:avLst/>
+            </a:prstGeom>
+            <a:noFill/>
+          </p:spPr>
+          <p:txBody>
+            <a:bodyPr wrap="square" rtlCol="0">
+              <a:spAutoFit/>
+            </a:bodyPr>
+            <a:lstStyle/>
+            <a:p>
+              <a:r>
+                <a:rPr lang="en-US" altLang="zh-CN" dirty="0" smtClean="0"/>
+                <a:t>+ </a:t>
+              </a:r>
+              <a:r>
+                <a:rPr lang="en-US" altLang="zh-CN" dirty="0" err="1" smtClean="0"/>
+                <a:t>otherAPI</a:t>
+              </a:r>
+              <a:r>
+                <a:rPr lang="en-US" altLang="zh-CN" dirty="0" smtClean="0"/>
+                <a:t>()</a:t>
+              </a:r>
+              <a:endParaRPr lang="zh-CN" altLang="en-US" dirty="0"/>
+            </a:p>
+          </p:txBody>
+        </p:sp>
+      </p:grpSp>
+    </p:spTree>
+    <p:extLst>
+      <p:ext uri="{BB962C8B-B14F-4D97-AF65-F5344CB8AC3E}">
+        <p14:creationId xmlns:p14="http://schemas.microsoft.com/office/powerpoint/2010/main" val="2064692475"/>
+      </p:ext>
+    </p:extLst>
+  </p:cSld>
+  <p:clrMapOvr>
+    <a:masterClrMapping/>
+  </p:clrMapOvr>
+  <p:timing>
+    <p:tnLst>
+      <p:par>
+        <p:cTn id="1" dur="indefinite" restart="never" nodeType="tmRoot"/>
+      </p:par>
+    </p:tnLst>
+  </p:timing>
+</p:sld>
+</file>
+
 <file path=ppt/theme/theme1.xml><?xml version="1.0" encoding="utf-8"?>
 <a:theme xmlns:a="http://schemas.openxmlformats.org/drawingml/2006/main" name="Office 主题">
   <a:themeElements>
